--- a/ProjetoDownloader.pptx
+++ b/ProjetoDownloader.pptx
@@ -5,7 +5,7 @@
     <p:sldMasterId id="2147483828" r:id="rId1"/>
   </p:sldMasterIdLst>
   <p:notesMasterIdLst>
-    <p:notesMasterId r:id="rId8"/>
+    <p:notesMasterId r:id="rId11"/>
   </p:notesMasterIdLst>
   <p:sldIdLst>
     <p:sldId id="267" r:id="rId2"/>
@@ -13,7 +13,10 @@
     <p:sldId id="259" r:id="rId4"/>
     <p:sldId id="263" r:id="rId5"/>
     <p:sldId id="262" r:id="rId6"/>
-    <p:sldId id="261" r:id="rId7"/>
+    <p:sldId id="269" r:id="rId7"/>
+    <p:sldId id="268" r:id="rId8"/>
+    <p:sldId id="261" r:id="rId9"/>
+    <p:sldId id="270" r:id="rId10"/>
   </p:sldIdLst>
   <p:sldSz cx="9144000" cy="6858000" type="screen4x3"/>
   <p:notesSz cx="6858000" cy="9144000"/>
@@ -114,7 +117,7 @@
   </p:defaultTextStyle>
   <p:extLst>
     <p:ext uri="{EFAFB233-063F-42B5-8137-9DF3F51BA10A}">
-      <p15:sldGuideLst xmlns:p15="http://schemas.microsoft.com/office/powerpoint/2012/main" xmlns="">
+      <p15:sldGuideLst xmlns="" xmlns:p15="http://schemas.microsoft.com/office/powerpoint/2012/main">
         <p15:guide id="1" orient="horz" pos="2160">
           <p15:clr>
             <a:srgbClr val="A4A3A4"/>
@@ -383,7 +386,7 @@
     </p:spTree>
     <p:extLst>
       <p:ext uri="{BB962C8B-B14F-4D97-AF65-F5344CB8AC3E}">
-        <p14:creationId xmlns:p14="http://schemas.microsoft.com/office/powerpoint/2010/main" xmlns="" val="3115318097"/>
+        <p14:creationId xmlns="" xmlns:p14="http://schemas.microsoft.com/office/powerpoint/2010/main" val="3115318097"/>
       </p:ext>
     </p:extLst>
   </p:cSld>
@@ -4145,7 +4148,7 @@
     </p:spTree>
     <p:extLst>
       <p:ext uri="{BB962C8B-B14F-4D97-AF65-F5344CB8AC3E}">
-        <p14:creationId xmlns:p14="http://schemas.microsoft.com/office/powerpoint/2010/main" xmlns="" val="3633496105"/>
+        <p14:creationId xmlns="" xmlns:p14="http://schemas.microsoft.com/office/powerpoint/2010/main" val="3633496105"/>
       </p:ext>
     </p:extLst>
   </p:cSld>
@@ -4251,7 +4254,7 @@
     </p:spTree>
     <p:extLst>
       <p:ext uri="{BB962C8B-B14F-4D97-AF65-F5344CB8AC3E}">
-        <p14:creationId xmlns:p14="http://schemas.microsoft.com/office/powerpoint/2010/main" xmlns="" val="2738181461"/>
+        <p14:creationId xmlns="" xmlns:p14="http://schemas.microsoft.com/office/powerpoint/2010/main" val="2738181461"/>
       </p:ext>
     </p:extLst>
   </p:cSld>
@@ -4410,7 +4413,7 @@
     </p:spTree>
     <p:extLst>
       <p:ext uri="{BB962C8B-B14F-4D97-AF65-F5344CB8AC3E}">
-        <p14:creationId xmlns:p14="http://schemas.microsoft.com/office/powerpoint/2010/main" xmlns="" val="2785572140"/>
+        <p14:creationId xmlns="" xmlns:p14="http://schemas.microsoft.com/office/powerpoint/2010/main" val="2785572140"/>
       </p:ext>
     </p:extLst>
   </p:cSld>
@@ -4549,7 +4552,7 @@
     </p:spTree>
     <p:extLst>
       <p:ext uri="{BB962C8B-B14F-4D97-AF65-F5344CB8AC3E}">
-        <p14:creationId xmlns:p14="http://schemas.microsoft.com/office/powerpoint/2010/main" xmlns="" val="3710288804"/>
+        <p14:creationId xmlns="" xmlns:p14="http://schemas.microsoft.com/office/powerpoint/2010/main" val="3710288804"/>
       </p:ext>
     </p:extLst>
   </p:cSld>
@@ -4600,7 +4603,7 @@
           <a:p>
             <a:r>
               <a:rPr lang="pt-BR" dirty="0" smtClean="0"/>
-              <a:t>Possíveis Classes</a:t>
+              <a:t>Interfaces</a:t>
             </a:r>
             <a:endParaRPr lang="pt-BR" dirty="0"/>
           </a:p>
@@ -4618,20 +4621,16 @@
         </p:nvSpPr>
         <p:spPr/>
         <p:txBody>
-          <a:bodyPr/>
-          <a:lstStyle/>
-          <a:p>
-            <a:r>
-              <a:rPr lang="pt-BR" sz="2400" dirty="0" err="1" smtClean="0">
+          <a:bodyPr>
+            <a:normAutofit/>
+          </a:bodyPr>
+          <a:lstStyle/>
+          <a:p>
+            <a:r>
+              <a:rPr lang="pt-BR" sz="2400" dirty="0" smtClean="0">
                 <a:latin typeface="+mj-lt"/>
               </a:rPr>
               <a:t>Multimedia</a:t>
-            </a:r>
-            <a:r>
-              <a:rPr lang="pt-BR" sz="2400" dirty="0" smtClean="0">
-                <a:latin typeface="+mj-lt"/>
-              </a:rPr>
-              <a:t> &lt;&lt;interface&gt;&gt;</a:t>
             </a:r>
             <a:endParaRPr lang="pt-BR" sz="2400" dirty="0">
               <a:latin typeface="+mj-lt"/>
@@ -4644,158 +4643,16 @@
               </a:rPr>
               <a:t>Downloadable</a:t>
             </a:r>
-            <a:r>
-              <a:rPr lang="pt-BR" sz="2400" dirty="0" smtClean="0">
-                <a:latin typeface="+mj-lt"/>
-              </a:rPr>
-              <a:t> &lt;&lt;interface&gt;&gt;</a:t>
-            </a:r>
-          </a:p>
-          <a:p>
-            <a:r>
-              <a:rPr lang="pt-BR" sz="2400" dirty="0" err="1" smtClean="0">
-                <a:latin typeface="+mj-lt"/>
-              </a:rPr>
-              <a:t>Downloader</a:t>
-            </a:r>
             <a:endParaRPr lang="pt-BR" sz="2400" dirty="0" smtClean="0">
               <a:latin typeface="+mj-lt"/>
             </a:endParaRPr>
           </a:p>
-          <a:p>
-            <a:r>
-              <a:rPr lang="pt-BR" sz="2400" dirty="0" err="1" smtClean="0">
-                <a:latin typeface="+mj-lt"/>
-              </a:rPr>
-              <a:t>PaginaHTML</a:t>
-            </a:r>
-            <a:endParaRPr lang="pt-BR" sz="2400" dirty="0" smtClean="0">
-              <a:latin typeface="+mj-lt"/>
-            </a:endParaRPr>
-          </a:p>
-          <a:p>
-            <a:r>
-              <a:rPr lang="pt-BR" sz="2400" dirty="0" smtClean="0">
-                <a:latin typeface="+mj-lt"/>
-              </a:rPr>
-              <a:t>Imagem</a:t>
-            </a:r>
-          </a:p>
-          <a:p>
-            <a:r>
-              <a:rPr lang="pt-BR" sz="2400" dirty="0" err="1" smtClean="0">
-                <a:latin typeface="+mj-lt"/>
-              </a:rPr>
-              <a:t>Video</a:t>
-            </a:r>
-            <a:endParaRPr lang="pt-BR" sz="2400" dirty="0" smtClean="0">
-              <a:latin typeface="+mj-lt"/>
-            </a:endParaRPr>
-          </a:p>
-          <a:p>
-            <a:r>
-              <a:rPr lang="pt-BR" sz="2400" dirty="0" err="1" smtClean="0">
-                <a:latin typeface="+mj-lt"/>
-              </a:rPr>
-              <a:t>Audio</a:t>
-            </a:r>
-            <a:endParaRPr lang="pt-BR" sz="2400" dirty="0" smtClean="0">
-              <a:latin typeface="+mj-lt"/>
-            </a:endParaRPr>
-          </a:p>
-          <a:p>
-            <a:r>
-              <a:rPr lang="pt-BR" sz="2400" dirty="0" err="1" smtClean="0">
-                <a:latin typeface="+mj-lt"/>
-              </a:rPr>
-              <a:t>FormatoAudio</a:t>
-            </a:r>
-            <a:r>
-              <a:rPr lang="pt-BR" sz="2400" dirty="0" smtClean="0">
-                <a:latin typeface="+mj-lt"/>
-              </a:rPr>
-              <a:t> &lt;&lt;</a:t>
-            </a:r>
-            <a:r>
-              <a:rPr lang="pt-BR" sz="2400" dirty="0" err="1" smtClean="0">
-                <a:latin typeface="+mj-lt"/>
-              </a:rPr>
-              <a:t>enum</a:t>
-            </a:r>
-            <a:r>
-              <a:rPr lang="pt-BR" sz="2400" dirty="0" smtClean="0">
-                <a:latin typeface="+mj-lt"/>
-              </a:rPr>
-              <a:t>&gt;&gt;</a:t>
-            </a:r>
-          </a:p>
-          <a:p>
-            <a:r>
-              <a:rPr lang="pt-BR" sz="2400" dirty="0" err="1" smtClean="0">
-                <a:latin typeface="+mj-lt"/>
-              </a:rPr>
-              <a:t>FormatoVideo</a:t>
-            </a:r>
-            <a:r>
-              <a:rPr lang="pt-BR" sz="2400" dirty="0">
-                <a:latin typeface="+mj-lt"/>
-              </a:rPr>
-              <a:t> </a:t>
-            </a:r>
-            <a:r>
-              <a:rPr lang="pt-BR" sz="2400" dirty="0" smtClean="0">
-                <a:latin typeface="+mj-lt"/>
-              </a:rPr>
-              <a:t>&lt;&lt;</a:t>
-            </a:r>
-            <a:r>
-              <a:rPr lang="pt-BR" sz="2400" dirty="0" err="1" smtClean="0">
-                <a:latin typeface="+mj-lt"/>
-              </a:rPr>
-              <a:t>enum</a:t>
-            </a:r>
-            <a:r>
-              <a:rPr lang="pt-BR" sz="2400" dirty="0" smtClean="0">
-                <a:latin typeface="+mj-lt"/>
-              </a:rPr>
-              <a:t>&gt;&gt;</a:t>
-            </a:r>
-          </a:p>
-          <a:p>
-            <a:r>
-              <a:rPr lang="pt-BR" sz="2400" dirty="0" err="1" smtClean="0">
-                <a:latin typeface="+mj-lt"/>
-              </a:rPr>
-              <a:t>FormatoImagem</a:t>
-            </a:r>
-            <a:r>
-              <a:rPr lang="pt-BR" sz="2400" dirty="0" smtClean="0">
-                <a:latin typeface="+mj-lt"/>
-              </a:rPr>
-              <a:t> &lt;&lt;</a:t>
-            </a:r>
-            <a:r>
-              <a:rPr lang="pt-BR" sz="2400" dirty="0" err="1" smtClean="0">
-                <a:latin typeface="+mj-lt"/>
-              </a:rPr>
-              <a:t>enum</a:t>
-            </a:r>
-            <a:r>
-              <a:rPr lang="pt-BR" sz="2400" dirty="0" smtClean="0">
-                <a:latin typeface="+mj-lt"/>
-              </a:rPr>
-              <a:t>&gt;&gt;</a:t>
-            </a:r>
-          </a:p>
-          <a:p>
-            <a:endParaRPr lang="pt-BR" dirty="0"/>
-          </a:p>
         </p:txBody>
       </p:sp>
     </p:spTree>
     <p:extLst>
       <p:ext uri="{BB962C8B-B14F-4D97-AF65-F5344CB8AC3E}">
-        <p14:creationId xmlns:p14="http://schemas.microsoft.com/office/powerpoint/2010/main" xmlns="" val="253966869"/>
+        <p14:creationId xmlns="" xmlns:p14="http://schemas.microsoft.com/office/powerpoint/2010/main" val="253966869"/>
       </p:ext>
     </p:extLst>
   </p:cSld>
@@ -4846,45 +4703,115 @@
           <a:p>
             <a:r>
               <a:rPr lang="pt-BR" dirty="0" smtClean="0"/>
-              <a:t>Diagrama UML</a:t>
+              <a:t>Classes</a:t>
             </a:r>
             <a:endParaRPr lang="pt-BR" dirty="0"/>
           </a:p>
         </p:txBody>
       </p:sp>
-      <p:pic>
-        <p:nvPicPr>
-          <p:cNvPr id="28" name="Espaço Reservado para Conteúdo 27"/>
-          <p:cNvPicPr>
-            <a:picLocks noGrp="1" noChangeAspect="1"/>
-          </p:cNvPicPr>
+      <p:sp>
+        <p:nvSpPr>
+          <p:cNvPr id="3" name="Espaço Reservado para Conteúdo 2"/>
+          <p:cNvSpPr>
+            <a:spLocks noGrp="1"/>
+          </p:cNvSpPr>
           <p:nvPr>
             <p:ph idx="1"/>
           </p:nvPr>
-        </p:nvPicPr>
-        <p:blipFill>
-          <a:blip r:embed="rId2" cstate="print">
-            <a:extLst>
-              <a:ext uri="{28A0092B-C50C-407E-A947-70E740481C1C}">
-                <a14:useLocalDpi xmlns:a14="http://schemas.microsoft.com/office/drawing/2010/main" xmlns="" val="0"/>
-              </a:ext>
-            </a:extLst>
-          </a:blip>
-          <a:stretch>
-            <a:fillRect/>
-          </a:stretch>
-        </p:blipFill>
-        <p:spPr>
-          <a:xfrm>
-            <a:off x="469024" y="1389467"/>
-            <a:ext cx="7608175" cy="5054308"/>
-          </a:xfrm>
-        </p:spPr>
-      </p:pic>
+        </p:nvSpPr>
+        <p:spPr/>
+        <p:txBody>
+          <a:bodyPr>
+            <a:normAutofit/>
+          </a:bodyPr>
+          <a:lstStyle/>
+          <a:p>
+            <a:r>
+              <a:rPr lang="pt-BR" sz="2400" dirty="0" smtClean="0">
+                <a:latin typeface="+mj-lt"/>
+              </a:rPr>
+              <a:t>Arquivo</a:t>
+            </a:r>
+            <a:endParaRPr lang="pt-BR" sz="2400" dirty="0" smtClean="0">
+              <a:latin typeface="+mj-lt"/>
+            </a:endParaRPr>
+          </a:p>
+          <a:p>
+            <a:r>
+              <a:rPr lang="pt-BR" sz="2400" dirty="0" err="1" smtClean="0"/>
+              <a:t>Audio</a:t>
+            </a:r>
+            <a:endParaRPr lang="pt-BR" sz="2400" dirty="0" smtClean="0">
+              <a:latin typeface="+mj-lt"/>
+            </a:endParaRPr>
+          </a:p>
+          <a:p>
+            <a:r>
+              <a:rPr lang="pt-BR" sz="2400" dirty="0" err="1" smtClean="0">
+                <a:latin typeface="+mj-lt"/>
+              </a:rPr>
+              <a:t>CodigoFonte</a:t>
+            </a:r>
+            <a:endParaRPr lang="pt-BR" sz="2400" dirty="0" smtClean="0">
+              <a:latin typeface="+mj-lt"/>
+            </a:endParaRPr>
+          </a:p>
+          <a:p>
+            <a:r>
+              <a:rPr lang="pt-BR" sz="2400" dirty="0" err="1" smtClean="0"/>
+              <a:t>Downloader</a:t>
+            </a:r>
+            <a:r>
+              <a:rPr lang="pt-BR" sz="2400" dirty="0" smtClean="0"/>
+              <a:t> (Classe Principal</a:t>
+            </a:r>
+            <a:r>
+              <a:rPr lang="pt-BR" sz="2400" dirty="0" smtClean="0"/>
+              <a:t>)</a:t>
+            </a:r>
+            <a:endParaRPr lang="pt-BR" sz="2400" dirty="0" smtClean="0">
+              <a:latin typeface="+mj-lt"/>
+            </a:endParaRPr>
+          </a:p>
+          <a:p>
+            <a:r>
+              <a:rPr lang="pt-BR" sz="2400" dirty="0" smtClean="0">
+                <a:latin typeface="+mj-lt"/>
+              </a:rPr>
+              <a:t>Imagem</a:t>
+            </a:r>
+          </a:p>
+          <a:p>
+            <a:r>
+              <a:rPr lang="pt-BR" sz="2400" dirty="0" err="1" smtClean="0">
+                <a:latin typeface="+mj-lt"/>
+              </a:rPr>
+              <a:t>PaginaHTML</a:t>
+            </a:r>
+            <a:endParaRPr lang="pt-BR" sz="2400" dirty="0" smtClean="0">
+              <a:latin typeface="+mj-lt"/>
+            </a:endParaRPr>
+          </a:p>
+          <a:p>
+            <a:r>
+              <a:rPr lang="pt-BR" sz="2400" dirty="0" err="1" smtClean="0">
+                <a:latin typeface="+mj-lt"/>
+              </a:rPr>
+              <a:t>Video</a:t>
+            </a:r>
+            <a:endParaRPr lang="pt-BR" sz="2400" dirty="0" smtClean="0">
+              <a:latin typeface="+mj-lt"/>
+            </a:endParaRPr>
+          </a:p>
+          <a:p>
+            <a:endParaRPr lang="pt-BR" dirty="0"/>
+          </a:p>
+        </p:txBody>
+      </p:sp>
     </p:spTree>
     <p:extLst>
       <p:ext uri="{BB962C8B-B14F-4D97-AF65-F5344CB8AC3E}">
-        <p14:creationId xmlns:p14="http://schemas.microsoft.com/office/powerpoint/2010/main" xmlns="" val="3654471425"/>
+        <p14:creationId xmlns="" xmlns:p14="http://schemas.microsoft.com/office/powerpoint/2010/main" val="253966869"/>
       </p:ext>
     </p:extLst>
   </p:cSld>
@@ -4898,6 +4825,352 @@
       </p:par>
     </p:tnLst>
   </p:timing>
+</p:sld>
+</file>
+
+<file path=ppt/slides/slide7.xml><?xml version="1.0" encoding="utf-8"?>
+<p:sld xmlns:a="http://schemas.openxmlformats.org/drawingml/2006/main" xmlns:r="http://schemas.openxmlformats.org/officeDocument/2006/relationships" xmlns:p="http://schemas.openxmlformats.org/presentationml/2006/main">
+  <p:cSld>
+    <p:spTree>
+      <p:nvGrpSpPr>
+        <p:cNvPr id="1" name=""/>
+        <p:cNvGrpSpPr/>
+        <p:nvPr/>
+      </p:nvGrpSpPr>
+      <p:grpSpPr>
+        <a:xfrm>
+          <a:off x="0" y="0"/>
+          <a:ext cx="0" cy="0"/>
+          <a:chOff x="0" y="0"/>
+          <a:chExt cx="0" cy="0"/>
+        </a:xfrm>
+      </p:grpSpPr>
+      <p:sp>
+        <p:nvSpPr>
+          <p:cNvPr id="2" name="Título 1"/>
+          <p:cNvSpPr>
+            <a:spLocks noGrp="1"/>
+          </p:cNvSpPr>
+          <p:nvPr>
+            <p:ph type="title"/>
+          </p:nvPr>
+        </p:nvSpPr>
+        <p:spPr/>
+        <p:txBody>
+          <a:bodyPr/>
+          <a:lstStyle/>
+          <a:p>
+            <a:r>
+              <a:rPr lang="pt-BR" dirty="0" err="1" smtClean="0"/>
+              <a:t>Enums</a:t>
+            </a:r>
+            <a:endParaRPr lang="pt-BR" dirty="0"/>
+          </a:p>
+        </p:txBody>
+      </p:sp>
+      <p:sp>
+        <p:nvSpPr>
+          <p:cNvPr id="3" name="Espaço Reservado para Conteúdo 2"/>
+          <p:cNvSpPr>
+            <a:spLocks noGrp="1"/>
+          </p:cNvSpPr>
+          <p:nvPr>
+            <p:ph idx="1"/>
+          </p:nvPr>
+        </p:nvSpPr>
+        <p:spPr/>
+        <p:txBody>
+          <a:bodyPr>
+            <a:normAutofit/>
+          </a:bodyPr>
+          <a:lstStyle/>
+          <a:p>
+            <a:r>
+              <a:rPr lang="pt-BR" sz="2400" dirty="0" err="1" smtClean="0">
+                <a:latin typeface="+mj-lt"/>
+              </a:rPr>
+              <a:t>CodecVideo</a:t>
+            </a:r>
+            <a:endParaRPr lang="pt-BR" sz="2400" dirty="0" smtClean="0">
+              <a:latin typeface="+mj-lt"/>
+            </a:endParaRPr>
+          </a:p>
+          <a:p>
+            <a:r>
+              <a:rPr lang="pt-BR" sz="2400" dirty="0" err="1" smtClean="0">
+                <a:latin typeface="+mj-lt"/>
+              </a:rPr>
+              <a:t>FormatoAudio</a:t>
+            </a:r>
+            <a:endParaRPr lang="pt-BR" sz="2400" dirty="0" smtClean="0">
+              <a:latin typeface="+mj-lt"/>
+            </a:endParaRPr>
+          </a:p>
+          <a:p>
+            <a:r>
+              <a:rPr lang="pt-BR" sz="2400" dirty="0" err="1" smtClean="0">
+                <a:latin typeface="+mj-lt"/>
+              </a:rPr>
+              <a:t>FormatoCodigoFonte</a:t>
+            </a:r>
+            <a:endParaRPr lang="pt-BR" sz="2400" dirty="0" smtClean="0">
+              <a:latin typeface="+mj-lt"/>
+            </a:endParaRPr>
+          </a:p>
+          <a:p>
+            <a:r>
+              <a:rPr lang="pt-BR" sz="2400" dirty="0" err="1" smtClean="0">
+                <a:latin typeface="+mj-lt"/>
+              </a:rPr>
+              <a:t>FormatoImagem</a:t>
+            </a:r>
+            <a:endParaRPr lang="pt-BR" sz="2400" dirty="0" smtClean="0">
+              <a:latin typeface="+mj-lt"/>
+            </a:endParaRPr>
+          </a:p>
+          <a:p>
+            <a:r>
+              <a:rPr lang="pt-BR" sz="2400" dirty="0" err="1" smtClean="0">
+                <a:latin typeface="+mj-lt"/>
+              </a:rPr>
+              <a:t>FormatoPaginaWeb</a:t>
+            </a:r>
+            <a:endParaRPr lang="pt-BR" sz="2400" dirty="0" smtClean="0">
+              <a:latin typeface="+mj-lt"/>
+            </a:endParaRPr>
+          </a:p>
+          <a:p>
+            <a:r>
+              <a:rPr lang="pt-BR" sz="2400" dirty="0" err="1" smtClean="0">
+                <a:latin typeface="+mj-lt"/>
+              </a:rPr>
+              <a:t>FormatoVideo</a:t>
+            </a:r>
+            <a:endParaRPr lang="pt-BR" sz="2400" dirty="0" smtClean="0">
+              <a:latin typeface="+mj-lt"/>
+            </a:endParaRPr>
+          </a:p>
+          <a:p>
+            <a:r>
+              <a:rPr lang="pt-BR" sz="2400" dirty="0" err="1" smtClean="0">
+                <a:latin typeface="+mj-lt"/>
+              </a:rPr>
+              <a:t>FrequenciaAudio</a:t>
+            </a:r>
+            <a:endParaRPr lang="pt-BR" sz="2400" dirty="0" smtClean="0">
+              <a:latin typeface="+mj-lt"/>
+            </a:endParaRPr>
+          </a:p>
+          <a:p>
+            <a:r>
+              <a:rPr lang="pt-BR" sz="2400" dirty="0" err="1" smtClean="0">
+                <a:latin typeface="+mj-lt"/>
+              </a:rPr>
+              <a:t>MetodoAudio</a:t>
+            </a:r>
+            <a:endParaRPr lang="pt-BR" sz="2400" dirty="0" smtClean="0">
+              <a:latin typeface="+mj-lt"/>
+            </a:endParaRPr>
+          </a:p>
+          <a:p>
+            <a:r>
+              <a:rPr lang="pt-BR" sz="2400" dirty="0" err="1" smtClean="0">
+                <a:latin typeface="+mj-lt"/>
+              </a:rPr>
+              <a:t>QualidadeAudio</a:t>
+            </a:r>
+            <a:endParaRPr lang="pt-BR" sz="2400" dirty="0" smtClean="0">
+              <a:latin typeface="+mj-lt"/>
+            </a:endParaRPr>
+          </a:p>
+          <a:p>
+            <a:r>
+              <a:rPr lang="pt-BR" sz="2400" dirty="0" err="1" smtClean="0">
+                <a:latin typeface="+mj-lt"/>
+              </a:rPr>
+              <a:t>QualidadeVideo</a:t>
+            </a:r>
+            <a:endParaRPr lang="pt-BR" sz="2400" dirty="0" smtClean="0">
+              <a:latin typeface="+mj-lt"/>
+            </a:endParaRPr>
+          </a:p>
+          <a:p>
+            <a:endParaRPr lang="pt-BR" sz="2400" dirty="0" smtClean="0">
+              <a:latin typeface="+mj-lt"/>
+            </a:endParaRPr>
+          </a:p>
+          <a:p>
+            <a:endParaRPr lang="pt-BR" dirty="0"/>
+          </a:p>
+        </p:txBody>
+      </p:sp>
+    </p:spTree>
+    <p:extLst>
+      <p:ext uri="{BB962C8B-B14F-4D97-AF65-F5344CB8AC3E}">
+        <p14:creationId xmlns="" xmlns:p14="http://schemas.microsoft.com/office/powerpoint/2010/main" val="253966869"/>
+      </p:ext>
+    </p:extLst>
+  </p:cSld>
+  <p:clrMapOvr>
+    <a:masterClrMapping/>
+  </p:clrMapOvr>
+  <p:timing>
+    <p:tnLst>
+      <p:par>
+        <p:cTn id="1" dur="indefinite" restart="never" nodeType="tmRoot"/>
+      </p:par>
+    </p:tnLst>
+  </p:timing>
+</p:sld>
+</file>
+
+<file path=ppt/slides/slide8.xml><?xml version="1.0" encoding="utf-8"?>
+<p:sld xmlns:a="http://schemas.openxmlformats.org/drawingml/2006/main" xmlns:r="http://schemas.openxmlformats.org/officeDocument/2006/relationships" xmlns:p="http://schemas.openxmlformats.org/presentationml/2006/main">
+  <p:cSld>
+    <p:spTree>
+      <p:nvGrpSpPr>
+        <p:cNvPr id="1" name=""/>
+        <p:cNvGrpSpPr/>
+        <p:nvPr/>
+      </p:nvGrpSpPr>
+      <p:grpSpPr>
+        <a:xfrm>
+          <a:off x="0" y="0"/>
+          <a:ext cx="0" cy="0"/>
+          <a:chOff x="0" y="0"/>
+          <a:chExt cx="0" cy="0"/>
+        </a:xfrm>
+      </p:grpSpPr>
+      <p:sp>
+        <p:nvSpPr>
+          <p:cNvPr id="2" name="Título 1"/>
+          <p:cNvSpPr>
+            <a:spLocks noGrp="1"/>
+          </p:cNvSpPr>
+          <p:nvPr>
+            <p:ph type="title"/>
+          </p:nvPr>
+        </p:nvSpPr>
+        <p:spPr/>
+        <p:txBody>
+          <a:bodyPr/>
+          <a:lstStyle/>
+          <a:p>
+            <a:r>
+              <a:rPr lang="pt-BR" smtClean="0"/>
+              <a:t>Diagrama UML</a:t>
+            </a:r>
+            <a:endParaRPr lang="pt-BR" dirty="0"/>
+          </a:p>
+        </p:txBody>
+      </p:sp>
+      <p:pic>
+        <p:nvPicPr>
+          <p:cNvPr id="28" name="Espaço Reservado para Conteúdo 27"/>
+          <p:cNvPicPr>
+            <a:picLocks noGrp="1" noChangeAspect="1"/>
+          </p:cNvPicPr>
+          <p:nvPr>
+            <p:ph idx="1"/>
+          </p:nvPr>
+        </p:nvPicPr>
+        <p:blipFill>
+          <a:blip r:embed="rId2" cstate="print"/>
+          <a:stretch>
+            <a:fillRect/>
+          </a:stretch>
+        </p:blipFill>
+        <p:spPr>
+          <a:xfrm>
+            <a:off x="1475656" y="1196752"/>
+            <a:ext cx="5472608" cy="5352847"/>
+          </a:xfrm>
+        </p:spPr>
+      </p:pic>
+    </p:spTree>
+    <p:extLst>
+      <p:ext uri="{BB962C8B-B14F-4D97-AF65-F5344CB8AC3E}">
+        <p14:creationId xmlns="" xmlns:p14="http://schemas.microsoft.com/office/powerpoint/2010/main" val="3654471425"/>
+      </p:ext>
+    </p:extLst>
+  </p:cSld>
+  <p:clrMapOvr>
+    <a:masterClrMapping/>
+  </p:clrMapOvr>
+  <p:timing>
+    <p:tnLst>
+      <p:par>
+        <p:cTn id="1" dur="indefinite" restart="never" nodeType="tmRoot"/>
+      </p:par>
+    </p:tnLst>
+  </p:timing>
+</p:sld>
+</file>
+
+<file path=ppt/slides/slide9.xml><?xml version="1.0" encoding="utf-8"?>
+<p:sld xmlns:a="http://schemas.openxmlformats.org/drawingml/2006/main" xmlns:r="http://schemas.openxmlformats.org/officeDocument/2006/relationships" xmlns:p="http://schemas.openxmlformats.org/presentationml/2006/main">
+  <p:cSld>
+    <p:spTree>
+      <p:nvGrpSpPr>
+        <p:cNvPr id="1" name=""/>
+        <p:cNvGrpSpPr/>
+        <p:nvPr/>
+      </p:nvGrpSpPr>
+      <p:grpSpPr>
+        <a:xfrm>
+          <a:off x="0" y="0"/>
+          <a:ext cx="0" cy="0"/>
+          <a:chOff x="0" y="0"/>
+          <a:chExt cx="0" cy="0"/>
+        </a:xfrm>
+      </p:grpSpPr>
+      <p:sp>
+        <p:nvSpPr>
+          <p:cNvPr id="2" name="Título 1"/>
+          <p:cNvSpPr>
+            <a:spLocks noGrp="1"/>
+          </p:cNvSpPr>
+          <p:nvPr>
+            <p:ph type="title"/>
+          </p:nvPr>
+        </p:nvSpPr>
+        <p:spPr/>
+        <p:txBody>
+          <a:bodyPr/>
+          <a:lstStyle/>
+          <a:p>
+            <a:r>
+              <a:rPr lang="pt-BR" dirty="0" smtClean="0"/>
+              <a:t>Funcionamento</a:t>
+            </a:r>
+            <a:endParaRPr lang="pt-BR" dirty="0"/>
+          </a:p>
+        </p:txBody>
+      </p:sp>
+      <p:sp>
+        <p:nvSpPr>
+          <p:cNvPr id="3" name="Espaço Reservado para Conteúdo 2"/>
+          <p:cNvSpPr>
+            <a:spLocks noGrp="1"/>
+          </p:cNvSpPr>
+          <p:nvPr>
+            <p:ph idx="1"/>
+          </p:nvPr>
+        </p:nvSpPr>
+        <p:spPr/>
+        <p:txBody>
+          <a:bodyPr/>
+          <a:lstStyle/>
+          <a:p>
+            <a:endParaRPr lang="pt-BR" dirty="0"/>
+          </a:p>
+        </p:txBody>
+      </p:sp>
+    </p:spTree>
+  </p:cSld>
+  <p:clrMapOvr>
+    <a:masterClrMapping/>
+  </p:clrMapOvr>
 </p:sld>
 </file>
 

--- a/ProjetoDownloader.pptx
+++ b/ProjetoDownloader.pptx
@@ -5,7 +5,7 @@
     <p:sldMasterId id="2147483828" r:id="rId1"/>
   </p:sldMasterIdLst>
   <p:notesMasterIdLst>
-    <p:notesMasterId r:id="rId11"/>
+    <p:notesMasterId r:id="rId28"/>
   </p:notesMasterIdLst>
   <p:sldIdLst>
     <p:sldId id="267" r:id="rId2"/>
@@ -16,7 +16,24 @@
     <p:sldId id="269" r:id="rId7"/>
     <p:sldId id="268" r:id="rId8"/>
     <p:sldId id="261" r:id="rId9"/>
-    <p:sldId id="270" r:id="rId10"/>
+    <p:sldId id="273" r:id="rId10"/>
+    <p:sldId id="274" r:id="rId11"/>
+    <p:sldId id="275" r:id="rId12"/>
+    <p:sldId id="272" r:id="rId13"/>
+    <p:sldId id="280" r:id="rId14"/>
+    <p:sldId id="281" r:id="rId15"/>
+    <p:sldId id="282" r:id="rId16"/>
+    <p:sldId id="283" r:id="rId17"/>
+    <p:sldId id="284" r:id="rId18"/>
+    <p:sldId id="285" r:id="rId19"/>
+    <p:sldId id="286" r:id="rId20"/>
+    <p:sldId id="287" r:id="rId21"/>
+    <p:sldId id="270" r:id="rId22"/>
+    <p:sldId id="271" r:id="rId23"/>
+    <p:sldId id="276" r:id="rId24"/>
+    <p:sldId id="277" r:id="rId25"/>
+    <p:sldId id="278" r:id="rId26"/>
+    <p:sldId id="279" r:id="rId27"/>
   </p:sldIdLst>
   <p:sldSz cx="9144000" cy="6858000" type="screen4x3"/>
   <p:notesSz cx="6858000" cy="9144000"/>
@@ -117,7 +134,7 @@
   </p:defaultTextStyle>
   <p:extLst>
     <p:ext uri="{EFAFB233-063F-42B5-8137-9DF3F51BA10A}">
-      <p15:sldGuideLst xmlns="" xmlns:p15="http://schemas.microsoft.com/office/powerpoint/2012/main">
+      <p15:sldGuideLst xmlns:p15="http://schemas.microsoft.com/office/powerpoint/2012/main" xmlns="">
         <p15:guide id="1" orient="horz" pos="2160">
           <p15:clr>
             <a:srgbClr val="A4A3A4"/>
@@ -386,7 +403,7 @@
     </p:spTree>
     <p:extLst>
       <p:ext uri="{BB962C8B-B14F-4D97-AF65-F5344CB8AC3E}">
-        <p14:creationId xmlns="" xmlns:p14="http://schemas.microsoft.com/office/powerpoint/2010/main" val="3115318097"/>
+        <p14:creationId xmlns:p14="http://schemas.microsoft.com/office/powerpoint/2010/main" val="3115318097"/>
       </p:ext>
     </p:extLst>
   </p:cSld>
@@ -3752,7 +3769,7 @@
         </p:spPr>
         <p:txBody>
           <a:bodyPr>
-            <a:normAutofit/>
+            <a:normAutofit fontScale="92500" lnSpcReduction="20000"/>
           </a:bodyPr>
           <a:lstStyle/>
           <a:p>
@@ -3763,7 +3780,31 @@
             </a:endParaRPr>
           </a:p>
           <a:p>
+            <a:endParaRPr lang="pt-BR" dirty="0">
+              <a:solidFill>
+                <a:schemeClr val="tx1"/>
+              </a:solidFill>
+            </a:endParaRPr>
+          </a:p>
+          <a:p>
+            <a:endParaRPr lang="pt-BR" dirty="0" smtClean="0">
+              <a:solidFill>
+                <a:schemeClr val="tx1"/>
+              </a:solidFill>
+            </a:endParaRPr>
+          </a:p>
+          <a:p>
             <a:pPr algn="ctr"/>
+            <a:r>
+              <a:rPr lang="pt-BR" dirty="0" smtClean="0">
+                <a:solidFill>
+                  <a:schemeClr val="accent1">
+                    <a:lumMod val="75000"/>
+                  </a:schemeClr>
+                </a:solidFill>
+              </a:rPr>
+              <a:t>(</a:t>
+            </a:r>
             <a:r>
               <a:rPr lang="pt-BR" dirty="0" err="1" smtClean="0">
                 <a:solidFill>
@@ -3773,6 +3814,16 @@
                 </a:solidFill>
               </a:rPr>
               <a:t>OfflinePageViewer</a:t>
+            </a:r>
+            <a:r>
+              <a:rPr lang="pt-BR" dirty="0" smtClean="0">
+                <a:solidFill>
+                  <a:schemeClr val="accent1">
+                    <a:lumMod val="75000"/>
+                  </a:schemeClr>
+                </a:solidFill>
+              </a:rPr>
+              <a:t>)</a:t>
             </a:r>
             <a:endParaRPr lang="pt-BR" dirty="0" smtClean="0">
               <a:solidFill>
@@ -3899,7 +3950,7 @@
         <p:spPr>
           <a:xfrm>
             <a:off x="1403648" y="1196752"/>
-            <a:ext cx="5904656" cy="2677656"/>
+            <a:ext cx="5904656" cy="3046988"/>
           </a:xfrm>
           <a:prstGeom prst="rect">
             <a:avLst/>
@@ -4143,12 +4194,948 @@
               <a:latin typeface="+mj-lt"/>
             </a:endParaRPr>
           </a:p>
+          <a:p>
+            <a:pPr algn="ctr"/>
+            <a:r>
+              <a:rPr lang="pt-BR" sz="2400" dirty="0" smtClean="0">
+                <a:solidFill>
+                  <a:schemeClr val="accent1">
+                    <a:lumMod val="75000"/>
+                  </a:schemeClr>
+                </a:solidFill>
+                <a:latin typeface="+mj-lt"/>
+              </a:rPr>
+              <a:t>Trabalho Final</a:t>
+            </a:r>
+          </a:p>
         </p:txBody>
       </p:sp>
     </p:spTree>
     <p:extLst>
       <p:ext uri="{BB962C8B-B14F-4D97-AF65-F5344CB8AC3E}">
-        <p14:creationId xmlns="" xmlns:p14="http://schemas.microsoft.com/office/powerpoint/2010/main" val="3633496105"/>
+        <p14:creationId xmlns:p14="http://schemas.microsoft.com/office/powerpoint/2010/main" val="3633496105"/>
+      </p:ext>
+    </p:extLst>
+  </p:cSld>
+  <p:clrMapOvr>
+    <a:masterClrMapping/>
+  </p:clrMapOvr>
+  <p:timing>
+    <p:tnLst>
+      <p:par>
+        <p:cTn id="1" dur="indefinite" restart="never" nodeType="tmRoot"/>
+      </p:par>
+    </p:tnLst>
+  </p:timing>
+</p:sld>
+</file>
+
+<file path=ppt/slides/slide10.xml><?xml version="1.0" encoding="utf-8"?>
+<p:sld xmlns:a="http://schemas.openxmlformats.org/drawingml/2006/main" xmlns:r="http://schemas.openxmlformats.org/officeDocument/2006/relationships" xmlns:p="http://schemas.openxmlformats.org/presentationml/2006/main">
+  <p:cSld>
+    <p:spTree>
+      <p:nvGrpSpPr>
+        <p:cNvPr id="1" name=""/>
+        <p:cNvGrpSpPr/>
+        <p:nvPr/>
+      </p:nvGrpSpPr>
+      <p:grpSpPr>
+        <a:xfrm>
+          <a:off x="0" y="0"/>
+          <a:ext cx="0" cy="0"/>
+          <a:chOff x="0" y="0"/>
+          <a:chExt cx="0" cy="0"/>
+        </a:xfrm>
+      </p:grpSpPr>
+      <p:sp>
+        <p:nvSpPr>
+          <p:cNvPr id="2" name="Título 1"/>
+          <p:cNvSpPr>
+            <a:spLocks noGrp="1"/>
+          </p:cNvSpPr>
+          <p:nvPr>
+            <p:ph type="title"/>
+          </p:nvPr>
+        </p:nvSpPr>
+        <p:spPr/>
+        <p:txBody>
+          <a:bodyPr/>
+          <a:lstStyle/>
+          <a:p>
+            <a:r>
+              <a:rPr lang="pt-BR" smtClean="0"/>
+              <a:t>Diagrama UML</a:t>
+            </a:r>
+            <a:endParaRPr lang="pt-BR" dirty="0"/>
+          </a:p>
+        </p:txBody>
+      </p:sp>
+      <p:pic>
+        <p:nvPicPr>
+          <p:cNvPr id="6" name="Espaço Reservado para Conteúdo 5"/>
+          <p:cNvPicPr>
+            <a:picLocks noGrp="1" noChangeAspect="1"/>
+          </p:cNvPicPr>
+          <p:nvPr>
+            <p:ph idx="1"/>
+          </p:nvPr>
+        </p:nvPicPr>
+        <p:blipFill>
+          <a:blip r:embed="rId2" cstate="print">
+            <a:extLst>
+              <a:ext uri="{28A0092B-C50C-407E-A947-70E740481C1C}">
+                <a14:useLocalDpi xmlns:a14="http://schemas.microsoft.com/office/drawing/2010/main" val="0"/>
+              </a:ext>
+            </a:extLst>
+          </a:blip>
+          <a:stretch>
+            <a:fillRect/>
+          </a:stretch>
+        </p:blipFill>
+        <p:spPr>
+          <a:xfrm>
+            <a:off x="3010467" y="1600200"/>
+            <a:ext cx="2513465" cy="4800600"/>
+          </a:xfrm>
+        </p:spPr>
+      </p:pic>
+    </p:spTree>
+    <p:extLst>
+      <p:ext uri="{BB962C8B-B14F-4D97-AF65-F5344CB8AC3E}">
+        <p14:creationId xmlns:p14="http://schemas.microsoft.com/office/powerpoint/2010/main" val="3841760687"/>
+      </p:ext>
+    </p:extLst>
+  </p:cSld>
+  <p:clrMapOvr>
+    <a:masterClrMapping/>
+  </p:clrMapOvr>
+  <p:timing>
+    <p:tnLst>
+      <p:par>
+        <p:cTn id="1" dur="indefinite" restart="never" nodeType="tmRoot"/>
+      </p:par>
+    </p:tnLst>
+  </p:timing>
+</p:sld>
+</file>
+
+<file path=ppt/slides/slide11.xml><?xml version="1.0" encoding="utf-8"?>
+<p:sld xmlns:a="http://schemas.openxmlformats.org/drawingml/2006/main" xmlns:r="http://schemas.openxmlformats.org/officeDocument/2006/relationships" xmlns:p="http://schemas.openxmlformats.org/presentationml/2006/main">
+  <p:cSld>
+    <p:spTree>
+      <p:nvGrpSpPr>
+        <p:cNvPr id="1" name=""/>
+        <p:cNvGrpSpPr/>
+        <p:nvPr/>
+      </p:nvGrpSpPr>
+      <p:grpSpPr>
+        <a:xfrm>
+          <a:off x="0" y="0"/>
+          <a:ext cx="0" cy="0"/>
+          <a:chOff x="0" y="0"/>
+          <a:chExt cx="0" cy="0"/>
+        </a:xfrm>
+      </p:grpSpPr>
+      <p:sp>
+        <p:nvSpPr>
+          <p:cNvPr id="2" name="Título 1"/>
+          <p:cNvSpPr>
+            <a:spLocks noGrp="1"/>
+          </p:cNvSpPr>
+          <p:nvPr>
+            <p:ph type="title"/>
+          </p:nvPr>
+        </p:nvSpPr>
+        <p:spPr/>
+        <p:txBody>
+          <a:bodyPr/>
+          <a:lstStyle/>
+          <a:p>
+            <a:r>
+              <a:rPr lang="pt-BR" smtClean="0"/>
+              <a:t>Diagrama UML</a:t>
+            </a:r>
+            <a:endParaRPr lang="pt-BR" dirty="0"/>
+          </a:p>
+        </p:txBody>
+      </p:sp>
+      <p:pic>
+        <p:nvPicPr>
+          <p:cNvPr id="6" name="Espaço Reservado para Conteúdo 5"/>
+          <p:cNvPicPr>
+            <a:picLocks noGrp="1" noChangeAspect="1"/>
+          </p:cNvPicPr>
+          <p:nvPr>
+            <p:ph idx="1"/>
+          </p:nvPr>
+        </p:nvPicPr>
+        <p:blipFill>
+          <a:blip r:embed="rId2">
+            <a:extLst>
+              <a:ext uri="{28A0092B-C50C-407E-A947-70E740481C1C}">
+                <a14:useLocalDpi xmlns:a14="http://schemas.microsoft.com/office/drawing/2010/main" val="0"/>
+              </a:ext>
+            </a:extLst>
+          </a:blip>
+          <a:stretch>
+            <a:fillRect/>
+          </a:stretch>
+        </p:blipFill>
+        <p:spPr>
+          <a:xfrm>
+            <a:off x="2915816" y="1556792"/>
+            <a:ext cx="2513465" cy="3244655"/>
+          </a:xfrm>
+        </p:spPr>
+      </p:pic>
+    </p:spTree>
+    <p:extLst>
+      <p:ext uri="{BB962C8B-B14F-4D97-AF65-F5344CB8AC3E}">
+        <p14:creationId xmlns:p14="http://schemas.microsoft.com/office/powerpoint/2010/main" val="924728545"/>
+      </p:ext>
+    </p:extLst>
+  </p:cSld>
+  <p:clrMapOvr>
+    <a:masterClrMapping/>
+  </p:clrMapOvr>
+  <p:timing>
+    <p:tnLst>
+      <p:par>
+        <p:cTn id="1" dur="indefinite" restart="never" nodeType="tmRoot"/>
+      </p:par>
+    </p:tnLst>
+  </p:timing>
+</p:sld>
+</file>
+
+<file path=ppt/slides/slide12.xml><?xml version="1.0" encoding="utf-8"?>
+<p:sld xmlns:a="http://schemas.openxmlformats.org/drawingml/2006/main" xmlns:r="http://schemas.openxmlformats.org/officeDocument/2006/relationships" xmlns:p="http://schemas.openxmlformats.org/presentationml/2006/main">
+  <p:cSld>
+    <p:spTree>
+      <p:nvGrpSpPr>
+        <p:cNvPr id="1" name=""/>
+        <p:cNvGrpSpPr/>
+        <p:nvPr/>
+      </p:nvGrpSpPr>
+      <p:grpSpPr>
+        <a:xfrm>
+          <a:off x="0" y="0"/>
+          <a:ext cx="0" cy="0"/>
+          <a:chOff x="0" y="0"/>
+          <a:chExt cx="0" cy="0"/>
+        </a:xfrm>
+      </p:grpSpPr>
+      <p:sp>
+        <p:nvSpPr>
+          <p:cNvPr id="2" name="Título 1"/>
+          <p:cNvSpPr>
+            <a:spLocks noGrp="1"/>
+          </p:cNvSpPr>
+          <p:nvPr>
+            <p:ph type="title"/>
+          </p:nvPr>
+        </p:nvSpPr>
+        <p:spPr/>
+        <p:txBody>
+          <a:bodyPr/>
+          <a:lstStyle/>
+          <a:p>
+            <a:r>
+              <a:rPr lang="pt-BR" dirty="0" smtClean="0"/>
+              <a:t>Código - </a:t>
+            </a:r>
+            <a:r>
+              <a:rPr lang="pt-BR" dirty="0" err="1" smtClean="0"/>
+              <a:t>Downloader</a:t>
+            </a:r>
+            <a:endParaRPr lang="pt-BR" dirty="0"/>
+          </a:p>
+        </p:txBody>
+      </p:sp>
+      <p:pic>
+        <p:nvPicPr>
+          <p:cNvPr id="6" name="Espaço Reservado para Conteúdo 5"/>
+          <p:cNvPicPr>
+            <a:picLocks noGrp="1" noChangeAspect="1"/>
+          </p:cNvPicPr>
+          <p:nvPr>
+            <p:ph idx="1"/>
+          </p:nvPr>
+        </p:nvPicPr>
+        <p:blipFill>
+          <a:blip r:embed="rId2">
+            <a:extLst>
+              <a:ext uri="{28A0092B-C50C-407E-A947-70E740481C1C}">
+                <a14:useLocalDpi xmlns:a14="http://schemas.microsoft.com/office/drawing/2010/main" val="0"/>
+              </a:ext>
+            </a:extLst>
+          </a:blip>
+          <a:stretch>
+            <a:fillRect/>
+          </a:stretch>
+        </p:blipFill>
+        <p:spPr>
+          <a:xfrm>
+            <a:off x="395536" y="1484784"/>
+            <a:ext cx="7620000" cy="2910051"/>
+          </a:xfrm>
+        </p:spPr>
+      </p:pic>
+    </p:spTree>
+    <p:extLst>
+      <p:ext uri="{BB962C8B-B14F-4D97-AF65-F5344CB8AC3E}">
+        <p14:creationId xmlns:p14="http://schemas.microsoft.com/office/powerpoint/2010/main" val="1456861541"/>
+      </p:ext>
+    </p:extLst>
+  </p:cSld>
+  <p:clrMapOvr>
+    <a:masterClrMapping/>
+  </p:clrMapOvr>
+  <p:timing>
+    <p:tnLst>
+      <p:par>
+        <p:cTn id="1" dur="indefinite" restart="never" nodeType="tmRoot"/>
+      </p:par>
+    </p:tnLst>
+  </p:timing>
+</p:sld>
+</file>
+
+<file path=ppt/slides/slide13.xml><?xml version="1.0" encoding="utf-8"?>
+<p:sld xmlns:a="http://schemas.openxmlformats.org/drawingml/2006/main" xmlns:r="http://schemas.openxmlformats.org/officeDocument/2006/relationships" xmlns:p="http://schemas.openxmlformats.org/presentationml/2006/main">
+  <p:cSld>
+    <p:spTree>
+      <p:nvGrpSpPr>
+        <p:cNvPr id="1" name=""/>
+        <p:cNvGrpSpPr/>
+        <p:nvPr/>
+      </p:nvGrpSpPr>
+      <p:grpSpPr>
+        <a:xfrm>
+          <a:off x="0" y="0"/>
+          <a:ext cx="0" cy="0"/>
+          <a:chOff x="0" y="0"/>
+          <a:chExt cx="0" cy="0"/>
+        </a:xfrm>
+      </p:grpSpPr>
+      <p:sp>
+        <p:nvSpPr>
+          <p:cNvPr id="2" name="Título 1"/>
+          <p:cNvSpPr>
+            <a:spLocks noGrp="1"/>
+          </p:cNvSpPr>
+          <p:nvPr>
+            <p:ph type="title"/>
+          </p:nvPr>
+        </p:nvSpPr>
+        <p:spPr/>
+        <p:txBody>
+          <a:bodyPr/>
+          <a:lstStyle/>
+          <a:p>
+            <a:r>
+              <a:rPr lang="pt-BR" dirty="0" smtClean="0"/>
+              <a:t>Código - </a:t>
+            </a:r>
+            <a:r>
+              <a:rPr lang="pt-BR" dirty="0" err="1" smtClean="0"/>
+              <a:t>Downloader</a:t>
+            </a:r>
+            <a:endParaRPr lang="pt-BR" dirty="0"/>
+          </a:p>
+        </p:txBody>
+      </p:sp>
+      <p:pic>
+        <p:nvPicPr>
+          <p:cNvPr id="5" name="Espaço Reservado para Conteúdo 4"/>
+          <p:cNvPicPr>
+            <a:picLocks noGrp="1" noChangeAspect="1"/>
+          </p:cNvPicPr>
+          <p:nvPr>
+            <p:ph idx="1"/>
+          </p:nvPr>
+        </p:nvPicPr>
+        <p:blipFill>
+          <a:blip r:embed="rId2">
+            <a:extLst>
+              <a:ext uri="{28A0092B-C50C-407E-A947-70E740481C1C}">
+                <a14:useLocalDpi xmlns:a14="http://schemas.microsoft.com/office/drawing/2010/main" val="0"/>
+              </a:ext>
+            </a:extLst>
+          </a:blip>
+          <a:stretch>
+            <a:fillRect/>
+          </a:stretch>
+        </p:blipFill>
+        <p:spPr>
+          <a:xfrm>
+            <a:off x="323528" y="1340768"/>
+            <a:ext cx="7620000" cy="4028407"/>
+          </a:xfrm>
+        </p:spPr>
+      </p:pic>
+    </p:spTree>
+    <p:extLst>
+      <p:ext uri="{BB962C8B-B14F-4D97-AF65-F5344CB8AC3E}">
+        <p14:creationId xmlns:p14="http://schemas.microsoft.com/office/powerpoint/2010/main" val="831594689"/>
+      </p:ext>
+    </p:extLst>
+  </p:cSld>
+  <p:clrMapOvr>
+    <a:masterClrMapping/>
+  </p:clrMapOvr>
+  <p:timing>
+    <p:tnLst>
+      <p:par>
+        <p:cTn id="1" dur="indefinite" restart="never" nodeType="tmRoot"/>
+      </p:par>
+    </p:tnLst>
+  </p:timing>
+</p:sld>
+</file>
+
+<file path=ppt/slides/slide14.xml><?xml version="1.0" encoding="utf-8"?>
+<p:sld xmlns:a="http://schemas.openxmlformats.org/drawingml/2006/main" xmlns:r="http://schemas.openxmlformats.org/officeDocument/2006/relationships" xmlns:p="http://schemas.openxmlformats.org/presentationml/2006/main">
+  <p:cSld>
+    <p:spTree>
+      <p:nvGrpSpPr>
+        <p:cNvPr id="1" name=""/>
+        <p:cNvGrpSpPr/>
+        <p:nvPr/>
+      </p:nvGrpSpPr>
+      <p:grpSpPr>
+        <a:xfrm>
+          <a:off x="0" y="0"/>
+          <a:ext cx="0" cy="0"/>
+          <a:chOff x="0" y="0"/>
+          <a:chExt cx="0" cy="0"/>
+        </a:xfrm>
+      </p:grpSpPr>
+      <p:sp>
+        <p:nvSpPr>
+          <p:cNvPr id="2" name="Título 1"/>
+          <p:cNvSpPr>
+            <a:spLocks noGrp="1"/>
+          </p:cNvSpPr>
+          <p:nvPr>
+            <p:ph type="title"/>
+          </p:nvPr>
+        </p:nvSpPr>
+        <p:spPr/>
+        <p:txBody>
+          <a:bodyPr/>
+          <a:lstStyle/>
+          <a:p>
+            <a:r>
+              <a:rPr lang="pt-BR" dirty="0" smtClean="0"/>
+              <a:t>Código - </a:t>
+            </a:r>
+            <a:r>
+              <a:rPr lang="pt-BR" dirty="0" err="1" smtClean="0"/>
+              <a:t>Downloader</a:t>
+            </a:r>
+            <a:endParaRPr lang="pt-BR" dirty="0"/>
+          </a:p>
+        </p:txBody>
+      </p:sp>
+      <p:pic>
+        <p:nvPicPr>
+          <p:cNvPr id="5" name="Espaço Reservado para Conteúdo 4"/>
+          <p:cNvPicPr>
+            <a:picLocks noGrp="1" noChangeAspect="1"/>
+          </p:cNvPicPr>
+          <p:nvPr>
+            <p:ph idx="1"/>
+          </p:nvPr>
+        </p:nvPicPr>
+        <p:blipFill>
+          <a:blip r:embed="rId2">
+            <a:extLst>
+              <a:ext uri="{28A0092B-C50C-407E-A947-70E740481C1C}">
+                <a14:useLocalDpi xmlns:a14="http://schemas.microsoft.com/office/drawing/2010/main" val="0"/>
+              </a:ext>
+            </a:extLst>
+          </a:blip>
+          <a:stretch>
+            <a:fillRect/>
+          </a:stretch>
+        </p:blipFill>
+        <p:spPr>
+          <a:xfrm>
+            <a:off x="1725328" y="1340768"/>
+            <a:ext cx="4816399" cy="4028407"/>
+          </a:xfrm>
+        </p:spPr>
+      </p:pic>
+    </p:spTree>
+    <p:extLst>
+      <p:ext uri="{BB962C8B-B14F-4D97-AF65-F5344CB8AC3E}">
+        <p14:creationId xmlns:p14="http://schemas.microsoft.com/office/powerpoint/2010/main" val="2060317866"/>
+      </p:ext>
+    </p:extLst>
+  </p:cSld>
+  <p:clrMapOvr>
+    <a:masterClrMapping/>
+  </p:clrMapOvr>
+  <p:timing>
+    <p:tnLst>
+      <p:par>
+        <p:cTn id="1" dur="indefinite" restart="never" nodeType="tmRoot"/>
+      </p:par>
+    </p:tnLst>
+  </p:timing>
+</p:sld>
+</file>
+
+<file path=ppt/slides/slide15.xml><?xml version="1.0" encoding="utf-8"?>
+<p:sld xmlns:a="http://schemas.openxmlformats.org/drawingml/2006/main" xmlns:r="http://schemas.openxmlformats.org/officeDocument/2006/relationships" xmlns:p="http://schemas.openxmlformats.org/presentationml/2006/main">
+  <p:cSld>
+    <p:spTree>
+      <p:nvGrpSpPr>
+        <p:cNvPr id="1" name=""/>
+        <p:cNvGrpSpPr/>
+        <p:nvPr/>
+      </p:nvGrpSpPr>
+      <p:grpSpPr>
+        <a:xfrm>
+          <a:off x="0" y="0"/>
+          <a:ext cx="0" cy="0"/>
+          <a:chOff x="0" y="0"/>
+          <a:chExt cx="0" cy="0"/>
+        </a:xfrm>
+      </p:grpSpPr>
+      <p:sp>
+        <p:nvSpPr>
+          <p:cNvPr id="2" name="Título 1"/>
+          <p:cNvSpPr>
+            <a:spLocks noGrp="1"/>
+          </p:cNvSpPr>
+          <p:nvPr>
+            <p:ph type="title"/>
+          </p:nvPr>
+        </p:nvSpPr>
+        <p:spPr/>
+        <p:txBody>
+          <a:bodyPr/>
+          <a:lstStyle/>
+          <a:p>
+            <a:r>
+              <a:rPr lang="pt-BR" dirty="0" smtClean="0"/>
+              <a:t>Código - </a:t>
+            </a:r>
+            <a:r>
+              <a:rPr lang="pt-BR" dirty="0" err="1" smtClean="0"/>
+              <a:t>Downloader</a:t>
+            </a:r>
+            <a:endParaRPr lang="pt-BR" dirty="0"/>
+          </a:p>
+        </p:txBody>
+      </p:sp>
+      <p:pic>
+        <p:nvPicPr>
+          <p:cNvPr id="5" name="Espaço Reservado para Conteúdo 4"/>
+          <p:cNvPicPr>
+            <a:picLocks noGrp="1" noChangeAspect="1"/>
+          </p:cNvPicPr>
+          <p:nvPr>
+            <p:ph idx="1"/>
+          </p:nvPr>
+        </p:nvPicPr>
+        <p:blipFill>
+          <a:blip r:embed="rId2">
+            <a:extLst>
+              <a:ext uri="{28A0092B-C50C-407E-A947-70E740481C1C}">
+                <a14:useLocalDpi xmlns:a14="http://schemas.microsoft.com/office/drawing/2010/main" val="0"/>
+              </a:ext>
+            </a:extLst>
+          </a:blip>
+          <a:stretch>
+            <a:fillRect/>
+          </a:stretch>
+        </p:blipFill>
+        <p:spPr>
+          <a:xfrm>
+            <a:off x="1725328" y="1429223"/>
+            <a:ext cx="4816399" cy="3851497"/>
+          </a:xfrm>
+        </p:spPr>
+      </p:pic>
+    </p:spTree>
+    <p:extLst>
+      <p:ext uri="{BB962C8B-B14F-4D97-AF65-F5344CB8AC3E}">
+        <p14:creationId xmlns:p14="http://schemas.microsoft.com/office/powerpoint/2010/main" val="443340320"/>
+      </p:ext>
+    </p:extLst>
+  </p:cSld>
+  <p:clrMapOvr>
+    <a:masterClrMapping/>
+  </p:clrMapOvr>
+  <p:timing>
+    <p:tnLst>
+      <p:par>
+        <p:cTn id="1" dur="indefinite" restart="never" nodeType="tmRoot"/>
+      </p:par>
+    </p:tnLst>
+  </p:timing>
+</p:sld>
+</file>
+
+<file path=ppt/slides/slide16.xml><?xml version="1.0" encoding="utf-8"?>
+<p:sld xmlns:a="http://schemas.openxmlformats.org/drawingml/2006/main" xmlns:r="http://schemas.openxmlformats.org/officeDocument/2006/relationships" xmlns:p="http://schemas.openxmlformats.org/presentationml/2006/main">
+  <p:cSld>
+    <p:spTree>
+      <p:nvGrpSpPr>
+        <p:cNvPr id="1" name=""/>
+        <p:cNvGrpSpPr/>
+        <p:nvPr/>
+      </p:nvGrpSpPr>
+      <p:grpSpPr>
+        <a:xfrm>
+          <a:off x="0" y="0"/>
+          <a:ext cx="0" cy="0"/>
+          <a:chOff x="0" y="0"/>
+          <a:chExt cx="0" cy="0"/>
+        </a:xfrm>
+      </p:grpSpPr>
+      <p:sp>
+        <p:nvSpPr>
+          <p:cNvPr id="2" name="Título 1"/>
+          <p:cNvSpPr>
+            <a:spLocks noGrp="1"/>
+          </p:cNvSpPr>
+          <p:nvPr>
+            <p:ph type="title"/>
+          </p:nvPr>
+        </p:nvSpPr>
+        <p:spPr/>
+        <p:txBody>
+          <a:bodyPr/>
+          <a:lstStyle/>
+          <a:p>
+            <a:r>
+              <a:rPr lang="pt-BR" dirty="0" smtClean="0"/>
+              <a:t>Código - </a:t>
+            </a:r>
+            <a:r>
+              <a:rPr lang="pt-BR" dirty="0" err="1" smtClean="0"/>
+              <a:t>Downloader</a:t>
+            </a:r>
+            <a:endParaRPr lang="pt-BR" dirty="0"/>
+          </a:p>
+        </p:txBody>
+      </p:sp>
+      <p:pic>
+        <p:nvPicPr>
+          <p:cNvPr id="5" name="Espaço Reservado para Conteúdo 4"/>
+          <p:cNvPicPr>
+            <a:picLocks noGrp="1" noChangeAspect="1"/>
+          </p:cNvPicPr>
+          <p:nvPr>
+            <p:ph idx="1"/>
+          </p:nvPr>
+        </p:nvPicPr>
+        <p:blipFill>
+          <a:blip r:embed="rId2">
+            <a:extLst>
+              <a:ext uri="{28A0092B-C50C-407E-A947-70E740481C1C}">
+                <a14:useLocalDpi xmlns:a14="http://schemas.microsoft.com/office/drawing/2010/main" val="0"/>
+              </a:ext>
+            </a:extLst>
+          </a:blip>
+          <a:stretch>
+            <a:fillRect/>
+          </a:stretch>
+        </p:blipFill>
+        <p:spPr>
+          <a:xfrm>
+            <a:off x="2044382" y="1429223"/>
+            <a:ext cx="4178290" cy="3851497"/>
+          </a:xfrm>
+        </p:spPr>
+      </p:pic>
+    </p:spTree>
+    <p:extLst>
+      <p:ext uri="{BB962C8B-B14F-4D97-AF65-F5344CB8AC3E}">
+        <p14:creationId xmlns:p14="http://schemas.microsoft.com/office/powerpoint/2010/main" val="2721526879"/>
+      </p:ext>
+    </p:extLst>
+  </p:cSld>
+  <p:clrMapOvr>
+    <a:masterClrMapping/>
+  </p:clrMapOvr>
+  <p:timing>
+    <p:tnLst>
+      <p:par>
+        <p:cTn id="1" dur="indefinite" restart="never" nodeType="tmRoot"/>
+      </p:par>
+    </p:tnLst>
+  </p:timing>
+</p:sld>
+</file>
+
+<file path=ppt/slides/slide17.xml><?xml version="1.0" encoding="utf-8"?>
+<p:sld xmlns:a="http://schemas.openxmlformats.org/drawingml/2006/main" xmlns:r="http://schemas.openxmlformats.org/officeDocument/2006/relationships" xmlns:p="http://schemas.openxmlformats.org/presentationml/2006/main">
+  <p:cSld>
+    <p:spTree>
+      <p:nvGrpSpPr>
+        <p:cNvPr id="1" name=""/>
+        <p:cNvGrpSpPr/>
+        <p:nvPr/>
+      </p:nvGrpSpPr>
+      <p:grpSpPr>
+        <a:xfrm>
+          <a:off x="0" y="0"/>
+          <a:ext cx="0" cy="0"/>
+          <a:chOff x="0" y="0"/>
+          <a:chExt cx="0" cy="0"/>
+        </a:xfrm>
+      </p:grpSpPr>
+      <p:sp>
+        <p:nvSpPr>
+          <p:cNvPr id="2" name="Título 1"/>
+          <p:cNvSpPr>
+            <a:spLocks noGrp="1"/>
+          </p:cNvSpPr>
+          <p:nvPr>
+            <p:ph type="title"/>
+          </p:nvPr>
+        </p:nvSpPr>
+        <p:spPr/>
+        <p:txBody>
+          <a:bodyPr/>
+          <a:lstStyle/>
+          <a:p>
+            <a:r>
+              <a:rPr lang="pt-BR" dirty="0" smtClean="0"/>
+              <a:t>Código - </a:t>
+            </a:r>
+            <a:r>
+              <a:rPr lang="pt-BR" dirty="0" err="1" smtClean="0"/>
+              <a:t>Downloader</a:t>
+            </a:r>
+            <a:endParaRPr lang="pt-BR" dirty="0"/>
+          </a:p>
+        </p:txBody>
+      </p:sp>
+      <p:pic>
+        <p:nvPicPr>
+          <p:cNvPr id="5" name="Espaço Reservado para Conteúdo 4"/>
+          <p:cNvPicPr>
+            <a:picLocks noGrp="1" noChangeAspect="1"/>
+          </p:cNvPicPr>
+          <p:nvPr>
+            <p:ph idx="1"/>
+          </p:nvPr>
+        </p:nvPicPr>
+        <p:blipFill>
+          <a:blip r:embed="rId2">
+            <a:extLst>
+              <a:ext uri="{28A0092B-C50C-407E-A947-70E740481C1C}">
+                <a14:useLocalDpi xmlns:a14="http://schemas.microsoft.com/office/drawing/2010/main" val="0"/>
+              </a:ext>
+            </a:extLst>
+          </a:blip>
+          <a:stretch>
+            <a:fillRect/>
+          </a:stretch>
+        </p:blipFill>
+        <p:spPr>
+          <a:xfrm>
+            <a:off x="2377365" y="1429223"/>
+            <a:ext cx="3512323" cy="3851497"/>
+          </a:xfrm>
+        </p:spPr>
+      </p:pic>
+    </p:spTree>
+    <p:extLst>
+      <p:ext uri="{BB962C8B-B14F-4D97-AF65-F5344CB8AC3E}">
+        <p14:creationId xmlns:p14="http://schemas.microsoft.com/office/powerpoint/2010/main" val="2844613496"/>
+      </p:ext>
+    </p:extLst>
+  </p:cSld>
+  <p:clrMapOvr>
+    <a:masterClrMapping/>
+  </p:clrMapOvr>
+  <p:timing>
+    <p:tnLst>
+      <p:par>
+        <p:cTn id="1" dur="indefinite" restart="never" nodeType="tmRoot"/>
+      </p:par>
+    </p:tnLst>
+  </p:timing>
+</p:sld>
+</file>
+
+<file path=ppt/slides/slide18.xml><?xml version="1.0" encoding="utf-8"?>
+<p:sld xmlns:a="http://schemas.openxmlformats.org/drawingml/2006/main" xmlns:r="http://schemas.openxmlformats.org/officeDocument/2006/relationships" xmlns:p="http://schemas.openxmlformats.org/presentationml/2006/main">
+  <p:cSld>
+    <p:spTree>
+      <p:nvGrpSpPr>
+        <p:cNvPr id="1" name=""/>
+        <p:cNvGrpSpPr/>
+        <p:nvPr/>
+      </p:nvGrpSpPr>
+      <p:grpSpPr>
+        <a:xfrm>
+          <a:off x="0" y="0"/>
+          <a:ext cx="0" cy="0"/>
+          <a:chOff x="0" y="0"/>
+          <a:chExt cx="0" cy="0"/>
+        </a:xfrm>
+      </p:grpSpPr>
+      <p:sp>
+        <p:nvSpPr>
+          <p:cNvPr id="2" name="Título 1"/>
+          <p:cNvSpPr>
+            <a:spLocks noGrp="1"/>
+          </p:cNvSpPr>
+          <p:nvPr>
+            <p:ph type="title"/>
+          </p:nvPr>
+        </p:nvSpPr>
+        <p:spPr/>
+        <p:txBody>
+          <a:bodyPr/>
+          <a:lstStyle/>
+          <a:p>
+            <a:r>
+              <a:rPr lang="pt-BR" dirty="0" smtClean="0"/>
+              <a:t>Código - </a:t>
+            </a:r>
+            <a:r>
+              <a:rPr lang="pt-BR" dirty="0" err="1" smtClean="0"/>
+              <a:t>Downloader</a:t>
+            </a:r>
+            <a:endParaRPr lang="pt-BR" dirty="0"/>
+          </a:p>
+        </p:txBody>
+      </p:sp>
+      <p:pic>
+        <p:nvPicPr>
+          <p:cNvPr id="5" name="Espaço Reservado para Conteúdo 4"/>
+          <p:cNvPicPr>
+            <a:picLocks noGrp="1" noChangeAspect="1"/>
+          </p:cNvPicPr>
+          <p:nvPr>
+            <p:ph idx="1"/>
+          </p:nvPr>
+        </p:nvPicPr>
+        <p:blipFill>
+          <a:blip r:embed="rId2">
+            <a:extLst>
+              <a:ext uri="{28A0092B-C50C-407E-A947-70E740481C1C}">
+                <a14:useLocalDpi xmlns:a14="http://schemas.microsoft.com/office/drawing/2010/main" val="0"/>
+              </a:ext>
+            </a:extLst>
+          </a:blip>
+          <a:stretch>
+            <a:fillRect/>
+          </a:stretch>
+        </p:blipFill>
+        <p:spPr>
+          <a:xfrm>
+            <a:off x="899592" y="1196752"/>
+            <a:ext cx="6507548" cy="3960440"/>
+          </a:xfrm>
+        </p:spPr>
+      </p:pic>
+    </p:spTree>
+    <p:extLst>
+      <p:ext uri="{BB962C8B-B14F-4D97-AF65-F5344CB8AC3E}">
+        <p14:creationId xmlns:p14="http://schemas.microsoft.com/office/powerpoint/2010/main" val="656593166"/>
+      </p:ext>
+    </p:extLst>
+  </p:cSld>
+  <p:clrMapOvr>
+    <a:masterClrMapping/>
+  </p:clrMapOvr>
+  <p:timing>
+    <p:tnLst>
+      <p:par>
+        <p:cTn id="1" dur="indefinite" restart="never" nodeType="tmRoot"/>
+      </p:par>
+    </p:tnLst>
+  </p:timing>
+</p:sld>
+</file>
+
+<file path=ppt/slides/slide19.xml><?xml version="1.0" encoding="utf-8"?>
+<p:sld xmlns:a="http://schemas.openxmlformats.org/drawingml/2006/main" xmlns:r="http://schemas.openxmlformats.org/officeDocument/2006/relationships" xmlns:p="http://schemas.openxmlformats.org/presentationml/2006/main">
+  <p:cSld>
+    <p:spTree>
+      <p:nvGrpSpPr>
+        <p:cNvPr id="1" name=""/>
+        <p:cNvGrpSpPr/>
+        <p:nvPr/>
+      </p:nvGrpSpPr>
+      <p:grpSpPr>
+        <a:xfrm>
+          <a:off x="0" y="0"/>
+          <a:ext cx="0" cy="0"/>
+          <a:chOff x="0" y="0"/>
+          <a:chExt cx="0" cy="0"/>
+        </a:xfrm>
+      </p:grpSpPr>
+      <p:sp>
+        <p:nvSpPr>
+          <p:cNvPr id="2" name="Título 1"/>
+          <p:cNvSpPr>
+            <a:spLocks noGrp="1"/>
+          </p:cNvSpPr>
+          <p:nvPr>
+            <p:ph type="title"/>
+          </p:nvPr>
+        </p:nvSpPr>
+        <p:spPr/>
+        <p:txBody>
+          <a:bodyPr/>
+          <a:lstStyle/>
+          <a:p>
+            <a:r>
+              <a:rPr lang="pt-BR" dirty="0" smtClean="0"/>
+              <a:t>Código - </a:t>
+            </a:r>
+            <a:r>
+              <a:rPr lang="pt-BR" dirty="0" err="1" smtClean="0"/>
+              <a:t>Downloader</a:t>
+            </a:r>
+            <a:endParaRPr lang="pt-BR" dirty="0"/>
+          </a:p>
+        </p:txBody>
+      </p:sp>
+      <p:pic>
+        <p:nvPicPr>
+          <p:cNvPr id="5" name="Espaço Reservado para Conteúdo 4"/>
+          <p:cNvPicPr>
+            <a:picLocks noGrp="1" noChangeAspect="1"/>
+          </p:cNvPicPr>
+          <p:nvPr>
+            <p:ph idx="1"/>
+          </p:nvPr>
+        </p:nvPicPr>
+        <p:blipFill>
+          <a:blip r:embed="rId2">
+            <a:extLst>
+              <a:ext uri="{28A0092B-C50C-407E-A947-70E740481C1C}">
+                <a14:useLocalDpi xmlns:a14="http://schemas.microsoft.com/office/drawing/2010/main" val="0"/>
+              </a:ext>
+            </a:extLst>
+          </a:blip>
+          <a:stretch>
+            <a:fillRect/>
+          </a:stretch>
+        </p:blipFill>
+        <p:spPr>
+          <a:xfrm>
+            <a:off x="755576" y="1412776"/>
+            <a:ext cx="7048562" cy="3384376"/>
+          </a:xfrm>
+        </p:spPr>
+      </p:pic>
+    </p:spTree>
+    <p:extLst>
+      <p:ext uri="{BB962C8B-B14F-4D97-AF65-F5344CB8AC3E}">
+        <p14:creationId xmlns:p14="http://schemas.microsoft.com/office/powerpoint/2010/main" val="1021144989"/>
       </p:ext>
     </p:extLst>
   </p:cSld>
@@ -4254,7 +5241,7 @@
     </p:spTree>
     <p:extLst>
       <p:ext uri="{BB962C8B-B14F-4D97-AF65-F5344CB8AC3E}">
-        <p14:creationId xmlns="" xmlns:p14="http://schemas.microsoft.com/office/powerpoint/2010/main" val="2738181461"/>
+        <p14:creationId xmlns:p14="http://schemas.microsoft.com/office/powerpoint/2010/main" val="2738181461"/>
       </p:ext>
     </p:extLst>
   </p:cSld>
@@ -4268,6 +5255,712 @@
       </p:par>
     </p:tnLst>
   </p:timing>
+</p:sld>
+</file>
+
+<file path=ppt/slides/slide20.xml><?xml version="1.0" encoding="utf-8"?>
+<p:sld xmlns:a="http://schemas.openxmlformats.org/drawingml/2006/main" xmlns:r="http://schemas.openxmlformats.org/officeDocument/2006/relationships" xmlns:p="http://schemas.openxmlformats.org/presentationml/2006/main">
+  <p:cSld>
+    <p:spTree>
+      <p:nvGrpSpPr>
+        <p:cNvPr id="1" name=""/>
+        <p:cNvGrpSpPr/>
+        <p:nvPr/>
+      </p:nvGrpSpPr>
+      <p:grpSpPr>
+        <a:xfrm>
+          <a:off x="0" y="0"/>
+          <a:ext cx="0" cy="0"/>
+          <a:chOff x="0" y="0"/>
+          <a:chExt cx="0" cy="0"/>
+        </a:xfrm>
+      </p:grpSpPr>
+      <p:sp>
+        <p:nvSpPr>
+          <p:cNvPr id="2" name="Título 1"/>
+          <p:cNvSpPr>
+            <a:spLocks noGrp="1"/>
+          </p:cNvSpPr>
+          <p:nvPr>
+            <p:ph type="title"/>
+          </p:nvPr>
+        </p:nvSpPr>
+        <p:spPr/>
+        <p:txBody>
+          <a:bodyPr/>
+          <a:lstStyle/>
+          <a:p>
+            <a:r>
+              <a:rPr lang="pt-BR" dirty="0" smtClean="0"/>
+              <a:t>Código - </a:t>
+            </a:r>
+            <a:r>
+              <a:rPr lang="pt-BR" dirty="0" err="1" smtClean="0"/>
+              <a:t>Downloader</a:t>
+            </a:r>
+            <a:endParaRPr lang="pt-BR" dirty="0"/>
+          </a:p>
+        </p:txBody>
+      </p:sp>
+      <p:pic>
+        <p:nvPicPr>
+          <p:cNvPr id="5" name="Espaço Reservado para Conteúdo 4"/>
+          <p:cNvPicPr>
+            <a:picLocks noGrp="1" noChangeAspect="1"/>
+          </p:cNvPicPr>
+          <p:nvPr>
+            <p:ph idx="1"/>
+          </p:nvPr>
+        </p:nvPicPr>
+        <p:blipFill>
+          <a:blip r:embed="rId2">
+            <a:extLst>
+              <a:ext uri="{28A0092B-C50C-407E-A947-70E740481C1C}">
+                <a14:useLocalDpi xmlns:a14="http://schemas.microsoft.com/office/drawing/2010/main" val="0"/>
+              </a:ext>
+            </a:extLst>
+          </a:blip>
+          <a:stretch>
+            <a:fillRect/>
+          </a:stretch>
+        </p:blipFill>
+        <p:spPr>
+          <a:xfrm>
+            <a:off x="755576" y="1425553"/>
+            <a:ext cx="7048562" cy="3358821"/>
+          </a:xfrm>
+        </p:spPr>
+      </p:pic>
+    </p:spTree>
+    <p:extLst>
+      <p:ext uri="{BB962C8B-B14F-4D97-AF65-F5344CB8AC3E}">
+        <p14:creationId xmlns:p14="http://schemas.microsoft.com/office/powerpoint/2010/main" val="3406451673"/>
+      </p:ext>
+    </p:extLst>
+  </p:cSld>
+  <p:clrMapOvr>
+    <a:masterClrMapping/>
+  </p:clrMapOvr>
+  <p:timing>
+    <p:tnLst>
+      <p:par>
+        <p:cTn id="1" dur="indefinite" restart="never" nodeType="tmRoot"/>
+      </p:par>
+    </p:tnLst>
+  </p:timing>
+</p:sld>
+</file>
+
+<file path=ppt/slides/slide21.xml><?xml version="1.0" encoding="utf-8"?>
+<p:sld xmlns:a="http://schemas.openxmlformats.org/drawingml/2006/main" xmlns:r="http://schemas.openxmlformats.org/officeDocument/2006/relationships" xmlns:p="http://schemas.openxmlformats.org/presentationml/2006/main">
+  <p:cSld>
+    <p:spTree>
+      <p:nvGrpSpPr>
+        <p:cNvPr id="1" name=""/>
+        <p:cNvGrpSpPr/>
+        <p:nvPr/>
+      </p:nvGrpSpPr>
+      <p:grpSpPr>
+        <a:xfrm>
+          <a:off x="0" y="0"/>
+          <a:ext cx="0" cy="0"/>
+          <a:chOff x="0" y="0"/>
+          <a:chExt cx="0" cy="0"/>
+        </a:xfrm>
+      </p:grpSpPr>
+      <p:sp>
+        <p:nvSpPr>
+          <p:cNvPr id="2" name="Título 1"/>
+          <p:cNvSpPr>
+            <a:spLocks noGrp="1"/>
+          </p:cNvSpPr>
+          <p:nvPr>
+            <p:ph type="title"/>
+          </p:nvPr>
+        </p:nvSpPr>
+        <p:spPr/>
+        <p:txBody>
+          <a:bodyPr/>
+          <a:lstStyle/>
+          <a:p>
+            <a:r>
+              <a:rPr lang="pt-BR" dirty="0" smtClean="0"/>
+              <a:t>Funcionamento</a:t>
+            </a:r>
+            <a:endParaRPr lang="pt-BR" dirty="0"/>
+          </a:p>
+        </p:txBody>
+      </p:sp>
+      <p:sp>
+        <p:nvSpPr>
+          <p:cNvPr id="3" name="Espaço Reservado para Conteúdo 2"/>
+          <p:cNvSpPr>
+            <a:spLocks noGrp="1"/>
+          </p:cNvSpPr>
+          <p:nvPr>
+            <p:ph idx="1"/>
+          </p:nvPr>
+        </p:nvSpPr>
+        <p:spPr/>
+        <p:txBody>
+          <a:bodyPr/>
+          <a:lstStyle/>
+          <a:p>
+            <a:r>
+              <a:rPr lang="pt-BR" dirty="0" smtClean="0"/>
+              <a:t>Para o teste, vou usar </a:t>
+            </a:r>
+            <a:r>
+              <a:rPr lang="pt-BR" dirty="0"/>
+              <a:t>o endereço </a:t>
+            </a:r>
+            <a:r>
+              <a:rPr lang="pt-BR" dirty="0" smtClean="0">
+                <a:hlinkClick r:id="rId2"/>
+              </a:rPr>
+              <a:t>http</a:t>
+            </a:r>
+            <a:r>
+              <a:rPr lang="pt-BR" dirty="0">
+                <a:hlinkClick r:id="rId2"/>
+              </a:rPr>
+              <a:t>://</a:t>
+            </a:r>
+            <a:r>
+              <a:rPr lang="pt-BR" dirty="0" smtClean="0">
+                <a:hlinkClick r:id="rId2"/>
+              </a:rPr>
+              <a:t>www.portal.ufpa.br</a:t>
+            </a:r>
+            <a:endParaRPr lang="pt-BR" dirty="0" smtClean="0"/>
+          </a:p>
+          <a:p>
+            <a:r>
+              <a:rPr lang="pt-BR" dirty="0" smtClean="0"/>
+              <a:t>Ele pedirá o domínio que quer baixar.</a:t>
+            </a:r>
+            <a:endParaRPr lang="pt-BR" dirty="0"/>
+          </a:p>
+        </p:txBody>
+      </p:sp>
+      <p:pic>
+        <p:nvPicPr>
+          <p:cNvPr id="6" name="Imagem 5"/>
+          <p:cNvPicPr>
+            <a:picLocks noChangeAspect="1"/>
+          </p:cNvPicPr>
+          <p:nvPr/>
+        </p:nvPicPr>
+        <p:blipFill>
+          <a:blip r:embed="rId3">
+            <a:extLst>
+              <a:ext uri="{28A0092B-C50C-407E-A947-70E740481C1C}">
+                <a14:useLocalDpi xmlns:a14="http://schemas.microsoft.com/office/drawing/2010/main" val="0"/>
+              </a:ext>
+            </a:extLst>
+          </a:blip>
+          <a:stretch>
+            <a:fillRect/>
+          </a:stretch>
+        </p:blipFill>
+        <p:spPr>
+          <a:xfrm>
+            <a:off x="2366654" y="2790736"/>
+            <a:ext cx="4410691" cy="1276528"/>
+          </a:xfrm>
+          <a:prstGeom prst="rect">
+            <a:avLst/>
+          </a:prstGeom>
+        </p:spPr>
+      </p:pic>
+    </p:spTree>
+  </p:cSld>
+  <p:clrMapOvr>
+    <a:masterClrMapping/>
+  </p:clrMapOvr>
+</p:sld>
+</file>
+
+<file path=ppt/slides/slide22.xml><?xml version="1.0" encoding="utf-8"?>
+<p:sld xmlns:a="http://schemas.openxmlformats.org/drawingml/2006/main" xmlns:r="http://schemas.openxmlformats.org/officeDocument/2006/relationships" xmlns:p="http://schemas.openxmlformats.org/presentationml/2006/main">
+  <p:cSld>
+    <p:spTree>
+      <p:nvGrpSpPr>
+        <p:cNvPr id="1" name=""/>
+        <p:cNvGrpSpPr/>
+        <p:nvPr/>
+      </p:nvGrpSpPr>
+      <p:grpSpPr>
+        <a:xfrm>
+          <a:off x="0" y="0"/>
+          <a:ext cx="0" cy="0"/>
+          <a:chOff x="0" y="0"/>
+          <a:chExt cx="0" cy="0"/>
+        </a:xfrm>
+      </p:grpSpPr>
+      <p:sp>
+        <p:nvSpPr>
+          <p:cNvPr id="2" name="Título 1"/>
+          <p:cNvSpPr>
+            <a:spLocks noGrp="1"/>
+          </p:cNvSpPr>
+          <p:nvPr>
+            <p:ph type="title"/>
+          </p:nvPr>
+        </p:nvSpPr>
+        <p:spPr/>
+        <p:txBody>
+          <a:bodyPr/>
+          <a:lstStyle/>
+          <a:p>
+            <a:r>
+              <a:rPr lang="pt-BR" dirty="0" smtClean="0"/>
+              <a:t>Funcionamento</a:t>
+            </a:r>
+            <a:endParaRPr lang="pt-BR" dirty="0"/>
+          </a:p>
+        </p:txBody>
+      </p:sp>
+      <p:sp>
+        <p:nvSpPr>
+          <p:cNvPr id="3" name="Espaço Reservado para Conteúdo 2"/>
+          <p:cNvSpPr>
+            <a:spLocks noGrp="1"/>
+          </p:cNvSpPr>
+          <p:nvPr>
+            <p:ph idx="1"/>
+          </p:nvPr>
+        </p:nvSpPr>
+        <p:spPr/>
+        <p:txBody>
+          <a:bodyPr/>
+          <a:lstStyle/>
+          <a:p>
+            <a:r>
+              <a:rPr lang="pt-BR" dirty="0" smtClean="0"/>
+              <a:t>Em seguida, ele pede o diretório para salvar os arquivos.</a:t>
+            </a:r>
+            <a:endParaRPr lang="pt-BR" dirty="0"/>
+          </a:p>
+          <a:p>
+            <a:endParaRPr lang="pt-BR" dirty="0" smtClean="0"/>
+          </a:p>
+        </p:txBody>
+      </p:sp>
+      <p:pic>
+        <p:nvPicPr>
+          <p:cNvPr id="6" name="Imagem 5"/>
+          <p:cNvPicPr>
+            <a:picLocks noChangeAspect="1"/>
+          </p:cNvPicPr>
+          <p:nvPr/>
+        </p:nvPicPr>
+        <p:blipFill>
+          <a:blip r:embed="rId2">
+            <a:extLst>
+              <a:ext uri="{28A0092B-C50C-407E-A947-70E740481C1C}">
+                <a14:useLocalDpi xmlns:a14="http://schemas.microsoft.com/office/drawing/2010/main" val="0"/>
+              </a:ext>
+            </a:extLst>
+          </a:blip>
+          <a:stretch>
+            <a:fillRect/>
+          </a:stretch>
+        </p:blipFill>
+        <p:spPr>
+          <a:xfrm>
+            <a:off x="1475656" y="2132856"/>
+            <a:ext cx="4824536" cy="3312369"/>
+          </a:xfrm>
+          <a:prstGeom prst="rect">
+            <a:avLst/>
+          </a:prstGeom>
+        </p:spPr>
+      </p:pic>
+    </p:spTree>
+    <p:extLst>
+      <p:ext uri="{BB962C8B-B14F-4D97-AF65-F5344CB8AC3E}">
+        <p14:creationId xmlns:p14="http://schemas.microsoft.com/office/powerpoint/2010/main" val="4140648250"/>
+      </p:ext>
+    </p:extLst>
+  </p:cSld>
+  <p:clrMapOvr>
+    <a:masterClrMapping/>
+  </p:clrMapOvr>
+</p:sld>
+</file>
+
+<file path=ppt/slides/slide23.xml><?xml version="1.0" encoding="utf-8"?>
+<p:sld xmlns:a="http://schemas.openxmlformats.org/drawingml/2006/main" xmlns:r="http://schemas.openxmlformats.org/officeDocument/2006/relationships" xmlns:p="http://schemas.openxmlformats.org/presentationml/2006/main">
+  <p:cSld>
+    <p:spTree>
+      <p:nvGrpSpPr>
+        <p:cNvPr id="1" name=""/>
+        <p:cNvGrpSpPr/>
+        <p:nvPr/>
+      </p:nvGrpSpPr>
+      <p:grpSpPr>
+        <a:xfrm>
+          <a:off x="0" y="0"/>
+          <a:ext cx="0" cy="0"/>
+          <a:chOff x="0" y="0"/>
+          <a:chExt cx="0" cy="0"/>
+        </a:xfrm>
+      </p:grpSpPr>
+      <p:sp>
+        <p:nvSpPr>
+          <p:cNvPr id="2" name="Título 1"/>
+          <p:cNvSpPr>
+            <a:spLocks noGrp="1"/>
+          </p:cNvSpPr>
+          <p:nvPr>
+            <p:ph type="title"/>
+          </p:nvPr>
+        </p:nvSpPr>
+        <p:spPr/>
+        <p:txBody>
+          <a:bodyPr/>
+          <a:lstStyle/>
+          <a:p>
+            <a:r>
+              <a:rPr lang="pt-BR" dirty="0" smtClean="0"/>
+              <a:t>Execução</a:t>
+            </a:r>
+            <a:endParaRPr lang="pt-BR" dirty="0"/>
+          </a:p>
+        </p:txBody>
+      </p:sp>
+      <p:sp>
+        <p:nvSpPr>
+          <p:cNvPr id="3" name="Espaço Reservado para Conteúdo 2"/>
+          <p:cNvSpPr>
+            <a:spLocks noGrp="1"/>
+          </p:cNvSpPr>
+          <p:nvPr>
+            <p:ph idx="1"/>
+          </p:nvPr>
+        </p:nvSpPr>
+        <p:spPr/>
+        <p:txBody>
+          <a:bodyPr/>
+          <a:lstStyle/>
+          <a:p>
+            <a:pPr marL="114300" indent="0">
+              <a:buNone/>
+            </a:pPr>
+            <a:endParaRPr lang="pt-BR" dirty="0" smtClean="0"/>
+          </a:p>
+        </p:txBody>
+      </p:sp>
+      <p:pic>
+        <p:nvPicPr>
+          <p:cNvPr id="6" name="Imagem 5"/>
+          <p:cNvPicPr>
+            <a:picLocks noChangeAspect="1"/>
+          </p:cNvPicPr>
+          <p:nvPr/>
+        </p:nvPicPr>
+        <p:blipFill>
+          <a:blip r:embed="rId2">
+            <a:extLst>
+              <a:ext uri="{28A0092B-C50C-407E-A947-70E740481C1C}">
+                <a14:useLocalDpi xmlns:a14="http://schemas.microsoft.com/office/drawing/2010/main" val="0"/>
+              </a:ext>
+            </a:extLst>
+          </a:blip>
+          <a:stretch>
+            <a:fillRect/>
+          </a:stretch>
+        </p:blipFill>
+        <p:spPr>
+          <a:xfrm>
+            <a:off x="163935" y="1413604"/>
+            <a:ext cx="8176396" cy="3454728"/>
+          </a:xfrm>
+          <a:prstGeom prst="rect">
+            <a:avLst/>
+          </a:prstGeom>
+        </p:spPr>
+      </p:pic>
+    </p:spTree>
+    <p:extLst>
+      <p:ext uri="{BB962C8B-B14F-4D97-AF65-F5344CB8AC3E}">
+        <p14:creationId xmlns:p14="http://schemas.microsoft.com/office/powerpoint/2010/main" val="2228134950"/>
+      </p:ext>
+    </p:extLst>
+  </p:cSld>
+  <p:clrMapOvr>
+    <a:masterClrMapping/>
+  </p:clrMapOvr>
+</p:sld>
+</file>
+
+<file path=ppt/slides/slide24.xml><?xml version="1.0" encoding="utf-8"?>
+<p:sld xmlns:a="http://schemas.openxmlformats.org/drawingml/2006/main" xmlns:r="http://schemas.openxmlformats.org/officeDocument/2006/relationships" xmlns:p="http://schemas.openxmlformats.org/presentationml/2006/main">
+  <p:cSld>
+    <p:spTree>
+      <p:nvGrpSpPr>
+        <p:cNvPr id="1" name=""/>
+        <p:cNvGrpSpPr/>
+        <p:nvPr/>
+      </p:nvGrpSpPr>
+      <p:grpSpPr>
+        <a:xfrm>
+          <a:off x="0" y="0"/>
+          <a:ext cx="0" cy="0"/>
+          <a:chOff x="0" y="0"/>
+          <a:chExt cx="0" cy="0"/>
+        </a:xfrm>
+      </p:grpSpPr>
+      <p:sp>
+        <p:nvSpPr>
+          <p:cNvPr id="2" name="Título 1"/>
+          <p:cNvSpPr>
+            <a:spLocks noGrp="1"/>
+          </p:cNvSpPr>
+          <p:nvPr>
+            <p:ph type="title"/>
+          </p:nvPr>
+        </p:nvSpPr>
+        <p:spPr/>
+        <p:txBody>
+          <a:bodyPr/>
+          <a:lstStyle/>
+          <a:p>
+            <a:r>
+              <a:rPr lang="pt-BR" dirty="0" smtClean="0"/>
+              <a:t>Execução</a:t>
+            </a:r>
+            <a:endParaRPr lang="pt-BR" dirty="0"/>
+          </a:p>
+        </p:txBody>
+      </p:sp>
+      <p:sp>
+        <p:nvSpPr>
+          <p:cNvPr id="3" name="Espaço Reservado para Conteúdo 2"/>
+          <p:cNvSpPr>
+            <a:spLocks noGrp="1"/>
+          </p:cNvSpPr>
+          <p:nvPr>
+            <p:ph idx="1"/>
+          </p:nvPr>
+        </p:nvSpPr>
+        <p:spPr/>
+        <p:txBody>
+          <a:bodyPr/>
+          <a:lstStyle/>
+          <a:p>
+            <a:pPr marL="114300" indent="0">
+              <a:buNone/>
+            </a:pPr>
+            <a:endParaRPr lang="pt-BR" dirty="0" smtClean="0"/>
+          </a:p>
+        </p:txBody>
+      </p:sp>
+      <p:pic>
+        <p:nvPicPr>
+          <p:cNvPr id="6" name="Imagem 5"/>
+          <p:cNvPicPr>
+            <a:picLocks noChangeAspect="1"/>
+          </p:cNvPicPr>
+          <p:nvPr/>
+        </p:nvPicPr>
+        <p:blipFill>
+          <a:blip r:embed="rId2">
+            <a:extLst>
+              <a:ext uri="{28A0092B-C50C-407E-A947-70E740481C1C}">
+                <a14:useLocalDpi xmlns:a14="http://schemas.microsoft.com/office/drawing/2010/main" val="0"/>
+              </a:ext>
+            </a:extLst>
+          </a:blip>
+          <a:stretch>
+            <a:fillRect/>
+          </a:stretch>
+        </p:blipFill>
+        <p:spPr>
+          <a:xfrm>
+            <a:off x="163935" y="1412776"/>
+            <a:ext cx="8176396" cy="3456384"/>
+          </a:xfrm>
+          <a:prstGeom prst="rect">
+            <a:avLst/>
+          </a:prstGeom>
+        </p:spPr>
+      </p:pic>
+    </p:spTree>
+    <p:extLst>
+      <p:ext uri="{BB962C8B-B14F-4D97-AF65-F5344CB8AC3E}">
+        <p14:creationId xmlns:p14="http://schemas.microsoft.com/office/powerpoint/2010/main" val="3491886975"/>
+      </p:ext>
+    </p:extLst>
+  </p:cSld>
+  <p:clrMapOvr>
+    <a:masterClrMapping/>
+  </p:clrMapOvr>
+</p:sld>
+</file>
+
+<file path=ppt/slides/slide25.xml><?xml version="1.0" encoding="utf-8"?>
+<p:sld xmlns:a="http://schemas.openxmlformats.org/drawingml/2006/main" xmlns:r="http://schemas.openxmlformats.org/officeDocument/2006/relationships" xmlns:p="http://schemas.openxmlformats.org/presentationml/2006/main">
+  <p:cSld>
+    <p:spTree>
+      <p:nvGrpSpPr>
+        <p:cNvPr id="1" name=""/>
+        <p:cNvGrpSpPr/>
+        <p:nvPr/>
+      </p:nvGrpSpPr>
+      <p:grpSpPr>
+        <a:xfrm>
+          <a:off x="0" y="0"/>
+          <a:ext cx="0" cy="0"/>
+          <a:chOff x="0" y="0"/>
+          <a:chExt cx="0" cy="0"/>
+        </a:xfrm>
+      </p:grpSpPr>
+      <p:sp>
+        <p:nvSpPr>
+          <p:cNvPr id="2" name="Título 1"/>
+          <p:cNvSpPr>
+            <a:spLocks noGrp="1"/>
+          </p:cNvSpPr>
+          <p:nvPr>
+            <p:ph type="title"/>
+          </p:nvPr>
+        </p:nvSpPr>
+        <p:spPr/>
+        <p:txBody>
+          <a:bodyPr/>
+          <a:lstStyle/>
+          <a:p>
+            <a:r>
+              <a:rPr lang="pt-BR" dirty="0" smtClean="0"/>
+              <a:t>Resultados Obtidos</a:t>
+            </a:r>
+            <a:endParaRPr lang="pt-BR" dirty="0"/>
+          </a:p>
+        </p:txBody>
+      </p:sp>
+      <p:pic>
+        <p:nvPicPr>
+          <p:cNvPr id="4" name="Espaço Reservado para Conteúdo 3"/>
+          <p:cNvPicPr>
+            <a:picLocks noGrp="1" noChangeAspect="1"/>
+          </p:cNvPicPr>
+          <p:nvPr>
+            <p:ph idx="1"/>
+          </p:nvPr>
+        </p:nvPicPr>
+        <p:blipFill>
+          <a:blip r:embed="rId2">
+            <a:extLst>
+              <a:ext uri="{28A0092B-C50C-407E-A947-70E740481C1C}">
+                <a14:useLocalDpi xmlns:a14="http://schemas.microsoft.com/office/drawing/2010/main" val="0"/>
+              </a:ext>
+            </a:extLst>
+          </a:blip>
+          <a:stretch>
+            <a:fillRect/>
+          </a:stretch>
+        </p:blipFill>
+        <p:spPr>
+          <a:xfrm>
+            <a:off x="395536" y="1268760"/>
+            <a:ext cx="7620000" cy="1544037"/>
+          </a:xfrm>
+        </p:spPr>
+      </p:pic>
+    </p:spTree>
+    <p:extLst>
+      <p:ext uri="{BB962C8B-B14F-4D97-AF65-F5344CB8AC3E}">
+        <p14:creationId xmlns:p14="http://schemas.microsoft.com/office/powerpoint/2010/main" val="3423404381"/>
+      </p:ext>
+    </p:extLst>
+  </p:cSld>
+  <p:clrMapOvr>
+    <a:masterClrMapping/>
+  </p:clrMapOvr>
+</p:sld>
+</file>
+
+<file path=ppt/slides/slide26.xml><?xml version="1.0" encoding="utf-8"?>
+<p:sld xmlns:a="http://schemas.openxmlformats.org/drawingml/2006/main" xmlns:r="http://schemas.openxmlformats.org/officeDocument/2006/relationships" xmlns:p="http://schemas.openxmlformats.org/presentationml/2006/main">
+  <p:cSld>
+    <p:spTree>
+      <p:nvGrpSpPr>
+        <p:cNvPr id="1" name=""/>
+        <p:cNvGrpSpPr/>
+        <p:nvPr/>
+      </p:nvGrpSpPr>
+      <p:grpSpPr>
+        <a:xfrm>
+          <a:off x="0" y="0"/>
+          <a:ext cx="0" cy="0"/>
+          <a:chOff x="0" y="0"/>
+          <a:chExt cx="0" cy="0"/>
+        </a:xfrm>
+      </p:grpSpPr>
+      <p:sp>
+        <p:nvSpPr>
+          <p:cNvPr id="2" name="Título 1"/>
+          <p:cNvSpPr>
+            <a:spLocks noGrp="1"/>
+          </p:cNvSpPr>
+          <p:nvPr>
+            <p:ph type="title"/>
+          </p:nvPr>
+        </p:nvSpPr>
+        <p:spPr/>
+        <p:txBody>
+          <a:bodyPr/>
+          <a:lstStyle/>
+          <a:p>
+            <a:r>
+              <a:rPr lang="pt-BR" dirty="0" smtClean="0"/>
+              <a:t>Entretanto...</a:t>
+            </a:r>
+            <a:endParaRPr lang="pt-BR" dirty="0"/>
+          </a:p>
+        </p:txBody>
+      </p:sp>
+      <p:pic>
+        <p:nvPicPr>
+          <p:cNvPr id="4" name="Espaço Reservado para Conteúdo 3"/>
+          <p:cNvPicPr>
+            <a:picLocks noGrp="1" noChangeAspect="1"/>
+          </p:cNvPicPr>
+          <p:nvPr>
+            <p:ph idx="1"/>
+          </p:nvPr>
+        </p:nvPicPr>
+        <p:blipFill>
+          <a:blip r:embed="rId2">
+            <a:extLst>
+              <a:ext uri="{28A0092B-C50C-407E-A947-70E740481C1C}">
+                <a14:useLocalDpi xmlns:a14="http://schemas.microsoft.com/office/drawing/2010/main" val="0"/>
+              </a:ext>
+            </a:extLst>
+          </a:blip>
+          <a:stretch>
+            <a:fillRect/>
+          </a:stretch>
+        </p:blipFill>
+        <p:spPr>
+          <a:xfrm>
+            <a:off x="1619672" y="1772816"/>
+            <a:ext cx="5328592" cy="4040638"/>
+          </a:xfrm>
+        </p:spPr>
+      </p:pic>
+    </p:spTree>
+    <p:extLst>
+      <p:ext uri="{BB962C8B-B14F-4D97-AF65-F5344CB8AC3E}">
+        <p14:creationId xmlns:p14="http://schemas.microsoft.com/office/powerpoint/2010/main" val="4061916281"/>
+      </p:ext>
+    </p:extLst>
+  </p:cSld>
+  <p:clrMapOvr>
+    <a:masterClrMapping/>
+  </p:clrMapOvr>
 </p:sld>
 </file>
 
@@ -4332,10 +6025,22 @@
           <a:lstStyle/>
           <a:p>
             <a:r>
+              <a:rPr lang="pt-BR" sz="2000" smtClean="0">
+                <a:latin typeface="+mj-lt"/>
+              </a:rPr>
+              <a:t>Esse </a:t>
+            </a:r>
+            <a:r>
+              <a:rPr lang="pt-BR" sz="2000" smtClean="0">
+                <a:latin typeface="+mj-lt"/>
+              </a:rPr>
+              <a:t>projeto </a:t>
+            </a:r>
+            <a:r>
               <a:rPr lang="pt-BR" sz="2000" dirty="0" smtClean="0">
                 <a:latin typeface="+mj-lt"/>
               </a:rPr>
-              <a:t>Esse pré-projeto foi inspirado em outras aplicações semelhantes, como o </a:t>
+              <a:t>foi inspirado em outras aplicações semelhantes, como o </a:t>
             </a:r>
             <a:r>
               <a:rPr lang="pt-BR" sz="2000" dirty="0" err="1" smtClean="0">
@@ -4347,19 +6052,7 @@
               <a:rPr lang="pt-BR" sz="2000" dirty="0" smtClean="0">
                 <a:latin typeface="+mj-lt"/>
               </a:rPr>
-              <a:t> </a:t>
-            </a:r>
-            <a:r>
-              <a:rPr lang="pt-BR" sz="2000" dirty="0" err="1" smtClean="0">
-                <a:latin typeface="+mj-lt"/>
-              </a:rPr>
-              <a:t>Website</a:t>
-            </a:r>
-            <a:r>
-              <a:rPr lang="pt-BR" sz="2000" dirty="0" smtClean="0">
-                <a:latin typeface="+mj-lt"/>
-              </a:rPr>
-              <a:t> </a:t>
+              <a:t> Website </a:t>
             </a:r>
             <a:r>
               <a:rPr lang="pt-BR" sz="2000" dirty="0" err="1" smtClean="0">
@@ -4413,7 +6106,7 @@
     </p:spTree>
     <p:extLst>
       <p:ext uri="{BB962C8B-B14F-4D97-AF65-F5344CB8AC3E}">
-        <p14:creationId xmlns="" xmlns:p14="http://schemas.microsoft.com/office/powerpoint/2010/main" val="2785572140"/>
+        <p14:creationId xmlns:p14="http://schemas.microsoft.com/office/powerpoint/2010/main" val="2785572140"/>
       </p:ext>
     </p:extLst>
   </p:cSld>
@@ -4552,7 +6245,7 @@
     </p:spTree>
     <p:extLst>
       <p:ext uri="{BB962C8B-B14F-4D97-AF65-F5344CB8AC3E}">
-        <p14:creationId xmlns="" xmlns:p14="http://schemas.microsoft.com/office/powerpoint/2010/main" val="3710288804"/>
+        <p14:creationId xmlns:p14="http://schemas.microsoft.com/office/powerpoint/2010/main" val="3710288804"/>
       </p:ext>
     </p:extLst>
   </p:cSld>
@@ -4652,7 +6345,7 @@
     </p:spTree>
     <p:extLst>
       <p:ext uri="{BB962C8B-B14F-4D97-AF65-F5344CB8AC3E}">
-        <p14:creationId xmlns="" xmlns:p14="http://schemas.microsoft.com/office/powerpoint/2010/main" val="253966869"/>
+        <p14:creationId xmlns:p14="http://schemas.microsoft.com/office/powerpoint/2010/main" val="253966869"/>
       </p:ext>
     </p:extLst>
   </p:cSld>
@@ -4732,9 +6425,6 @@
               </a:rPr>
               <a:t>Arquivo</a:t>
             </a:r>
-            <a:endParaRPr lang="pt-BR" sz="2400" dirty="0" smtClean="0">
-              <a:latin typeface="+mj-lt"/>
-            </a:endParaRPr>
           </a:p>
           <a:p>
             <a:r>
@@ -4763,11 +6453,7 @@
             </a:r>
             <a:r>
               <a:rPr lang="pt-BR" sz="2400" dirty="0" smtClean="0"/>
-              <a:t> (Classe Principal</a:t>
-            </a:r>
-            <a:r>
-              <a:rPr lang="pt-BR" sz="2400" dirty="0" smtClean="0"/>
-              <a:t>)</a:t>
+              <a:t> (Classe Principal)</a:t>
             </a:r>
             <a:endParaRPr lang="pt-BR" sz="2400" dirty="0" smtClean="0">
               <a:latin typeface="+mj-lt"/>
@@ -4811,7 +6497,7 @@
     </p:spTree>
     <p:extLst>
       <p:ext uri="{BB962C8B-B14F-4D97-AF65-F5344CB8AC3E}">
-        <p14:creationId xmlns="" xmlns:p14="http://schemas.microsoft.com/office/powerpoint/2010/main" val="253966869"/>
+        <p14:creationId xmlns:p14="http://schemas.microsoft.com/office/powerpoint/2010/main" val="253966869"/>
       </p:ext>
     </p:extLst>
   </p:cSld>
@@ -5007,7 +6693,7 @@
     </p:spTree>
     <p:extLst>
       <p:ext uri="{BB962C8B-B14F-4D97-AF65-F5344CB8AC3E}">
-        <p14:creationId xmlns="" xmlns:p14="http://schemas.microsoft.com/office/powerpoint/2010/main" val="253966869"/>
+        <p14:creationId xmlns:p14="http://schemas.microsoft.com/office/powerpoint/2010/main" val="253966869"/>
       </p:ext>
     </p:extLst>
   </p:cSld>
@@ -5090,7 +6776,7 @@
     </p:spTree>
     <p:extLst>
       <p:ext uri="{BB962C8B-B14F-4D97-AF65-F5344CB8AC3E}">
-        <p14:creationId xmlns="" xmlns:p14="http://schemas.microsoft.com/office/powerpoint/2010/main" val="3654471425"/>
+        <p14:creationId xmlns:p14="http://schemas.microsoft.com/office/powerpoint/2010/main" val="3654471425"/>
       </p:ext>
     </p:extLst>
   </p:cSld>
@@ -5140,37 +6826,59 @@
           <a:lstStyle/>
           <a:p>
             <a:r>
-              <a:rPr lang="pt-BR" dirty="0" smtClean="0"/>
-              <a:t>Funcionamento</a:t>
+              <a:rPr lang="pt-BR" smtClean="0"/>
+              <a:t>Diagrama UML</a:t>
             </a:r>
             <a:endParaRPr lang="pt-BR" dirty="0"/>
           </a:p>
         </p:txBody>
       </p:sp>
-      <p:sp>
-        <p:nvSpPr>
-          <p:cNvPr id="3" name="Espaço Reservado para Conteúdo 2"/>
-          <p:cNvSpPr>
-            <a:spLocks noGrp="1"/>
-          </p:cNvSpPr>
+      <p:pic>
+        <p:nvPicPr>
+          <p:cNvPr id="4" name="Espaço Reservado para Conteúdo 3"/>
+          <p:cNvPicPr>
+            <a:picLocks noGrp="1" noChangeAspect="1"/>
+          </p:cNvPicPr>
           <p:nvPr>
             <p:ph idx="1"/>
           </p:nvPr>
-        </p:nvSpPr>
-        <p:spPr/>
-        <p:txBody>
-          <a:bodyPr/>
-          <a:lstStyle/>
-          <a:p>
-            <a:endParaRPr lang="pt-BR" dirty="0"/>
-          </a:p>
-        </p:txBody>
-      </p:sp>
+        </p:nvPicPr>
+        <p:blipFill>
+          <a:blip r:embed="rId2">
+            <a:extLst>
+              <a:ext uri="{28A0092B-C50C-407E-A947-70E740481C1C}">
+                <a14:useLocalDpi xmlns:a14="http://schemas.microsoft.com/office/drawing/2010/main" val="0"/>
+              </a:ext>
+            </a:extLst>
+          </a:blip>
+          <a:stretch>
+            <a:fillRect/>
+          </a:stretch>
+        </p:blipFill>
+        <p:spPr>
+          <a:xfrm>
+            <a:off x="1198841" y="1600200"/>
+            <a:ext cx="6136717" cy="4800600"/>
+          </a:xfrm>
+        </p:spPr>
+      </p:pic>
     </p:spTree>
+    <p:extLst>
+      <p:ext uri="{BB962C8B-B14F-4D97-AF65-F5344CB8AC3E}">
+        <p14:creationId xmlns:p14="http://schemas.microsoft.com/office/powerpoint/2010/main" val="1380624923"/>
+      </p:ext>
+    </p:extLst>
   </p:cSld>
   <p:clrMapOvr>
     <a:masterClrMapping/>
   </p:clrMapOvr>
+  <p:timing>
+    <p:tnLst>
+      <p:par>
+        <p:cTn id="1" dur="indefinite" restart="never" nodeType="tmRoot"/>
+      </p:par>
+    </p:tnLst>
+  </p:timing>
 </p:sld>
 </file>
 
